--- a/Vulnerabilities/ProperEncyption/ProperEncryption.pptx
+++ b/Vulnerabilities/ProperEncyption/ProperEncryption.pptx
@@ -7,7 +7,25 @@
   <p:sldIdLst>
     <p:sldId id="256" r:id="rId2"/>
     <p:sldId id="280" r:id="rId3"/>
-    <p:sldId id="263" r:id="rId4"/>
+    <p:sldId id="283" r:id="rId4"/>
+    <p:sldId id="284" r:id="rId5"/>
+    <p:sldId id="289" r:id="rId6"/>
+    <p:sldId id="293" r:id="rId7"/>
+    <p:sldId id="290" r:id="rId8"/>
+    <p:sldId id="291" r:id="rId9"/>
+    <p:sldId id="295" r:id="rId10"/>
+    <p:sldId id="294" r:id="rId11"/>
+    <p:sldId id="281" r:id="rId12"/>
+    <p:sldId id="282" r:id="rId13"/>
+    <p:sldId id="288" r:id="rId14"/>
+    <p:sldId id="292" r:id="rId15"/>
+    <p:sldId id="297" r:id="rId16"/>
+    <p:sldId id="298" r:id="rId17"/>
+    <p:sldId id="299" r:id="rId18"/>
+    <p:sldId id="285" r:id="rId19"/>
+    <p:sldId id="296" r:id="rId20"/>
+    <p:sldId id="286" r:id="rId21"/>
+    <p:sldId id="263" r:id="rId22"/>
   </p:sldIdLst>
   <p:sldSz cx="12192000" cy="6858000"/>
   <p:notesSz cx="6858000" cy="9144000"/>
@@ -3073,7 +3091,7 @@
           <a:p>
             <a:r>
               <a:rPr lang="en-US" dirty="0" smtClean="0"/>
-              <a:t>Proper Permission Usage</a:t>
+              <a:t>Proper Encryption Usage</a:t>
             </a:r>
             <a:endParaRPr lang="en-US" dirty="0"/>
           </a:p>
@@ -3096,7 +3114,7 @@
           <a:p>
             <a:r>
               <a:rPr lang="en-US" dirty="0" smtClean="0"/>
-              <a:t>XXX</a:t>
+              <a:t>All Encryption is not Created Equally</a:t>
             </a:r>
             <a:endParaRPr lang="en-US" dirty="0"/>
           </a:p>
@@ -3122,6 +3140,1207 @@
 </p:sld>
 </file>
 
+<file path=ppt/slides/slide10.xml><?xml version="1.0" encoding="utf-8"?>
+<p:sld xmlns:a="http://schemas.openxmlformats.org/drawingml/2006/main" xmlns:r="http://schemas.openxmlformats.org/officeDocument/2006/relationships" xmlns:p="http://schemas.openxmlformats.org/presentationml/2006/main">
+  <p:cSld>
+    <p:spTree>
+      <p:nvGrpSpPr>
+        <p:cNvPr id="1" name=""/>
+        <p:cNvGrpSpPr/>
+        <p:nvPr/>
+      </p:nvGrpSpPr>
+      <p:grpSpPr>
+        <a:xfrm>
+          <a:off x="0" y="0"/>
+          <a:ext cx="0" cy="0"/>
+          <a:chOff x="0" y="0"/>
+          <a:chExt cx="0" cy="0"/>
+        </a:xfrm>
+      </p:grpSpPr>
+      <p:sp>
+        <p:nvSpPr>
+          <p:cNvPr id="2" name="Title 1"/>
+          <p:cNvSpPr>
+            <a:spLocks noGrp="1"/>
+          </p:cNvSpPr>
+          <p:nvPr>
+            <p:ph type="title"/>
+          </p:nvPr>
+        </p:nvSpPr>
+        <p:spPr/>
+        <p:txBody>
+          <a:bodyPr/>
+          <a:lstStyle/>
+          <a:p>
+            <a:r>
+              <a:rPr lang="en-US" dirty="0" smtClean="0"/>
+              <a:t>Stronger Methods</a:t>
+            </a:r>
+            <a:endParaRPr lang="en-US" dirty="0"/>
+          </a:p>
+        </p:txBody>
+      </p:sp>
+      <p:sp>
+        <p:nvSpPr>
+          <p:cNvPr id="3" name="Content Placeholder 2"/>
+          <p:cNvSpPr>
+            <a:spLocks noGrp="1"/>
+          </p:cNvSpPr>
+          <p:nvPr>
+            <p:ph idx="1"/>
+          </p:nvPr>
+        </p:nvSpPr>
+        <p:spPr/>
+        <p:txBody>
+          <a:bodyPr/>
+          <a:lstStyle/>
+          <a:p>
+            <a:pPr marL="457200" lvl="0" indent="-419100">
+              <a:lnSpc>
+                <a:spcPct val="120000"/>
+              </a:lnSpc>
+              <a:spcBef>
+                <a:spcPts val="0"/>
+              </a:spcBef>
+              <a:buClr>
+                <a:srgbClr val="000000"/>
+              </a:buClr>
+              <a:buSzPts val="3000"/>
+              <a:buChar char="●"/>
+            </a:pPr>
+            <a:r>
+              <a:rPr lang="en-US" dirty="0" smtClean="0">
+                <a:solidFill>
+                  <a:srgbClr val="000000"/>
+                </a:solidFill>
+              </a:rPr>
+              <a:t>XXXX</a:t>
+            </a:r>
+            <a:endParaRPr lang="en" dirty="0">
+              <a:solidFill>
+                <a:srgbClr val="000000"/>
+              </a:solidFill>
+            </a:endParaRPr>
+          </a:p>
+          <a:p>
+            <a:endParaRPr lang="en-US" dirty="0"/>
+          </a:p>
+        </p:txBody>
+      </p:sp>
+    </p:spTree>
+    <p:extLst>
+      <p:ext uri="{BB962C8B-B14F-4D97-AF65-F5344CB8AC3E}">
+        <p14:creationId xmlns:p14="http://schemas.microsoft.com/office/powerpoint/2010/main" val="2831014158"/>
+      </p:ext>
+    </p:extLst>
+  </p:cSld>
+  <p:clrMapOvr>
+    <a:masterClrMapping/>
+  </p:clrMapOvr>
+</p:sld>
+</file>
+
+<file path=ppt/slides/slide11.xml><?xml version="1.0" encoding="utf-8"?>
+<p:sld xmlns:a="http://schemas.openxmlformats.org/drawingml/2006/main" xmlns:r="http://schemas.openxmlformats.org/officeDocument/2006/relationships" xmlns:p="http://schemas.openxmlformats.org/presentationml/2006/main">
+  <p:cSld>
+    <p:spTree>
+      <p:nvGrpSpPr>
+        <p:cNvPr id="1" name=""/>
+        <p:cNvGrpSpPr/>
+        <p:nvPr/>
+      </p:nvGrpSpPr>
+      <p:grpSpPr>
+        <a:xfrm>
+          <a:off x="0" y="0"/>
+          <a:ext cx="0" cy="0"/>
+          <a:chOff x="0" y="0"/>
+          <a:chExt cx="0" cy="0"/>
+        </a:xfrm>
+      </p:grpSpPr>
+      <p:sp>
+        <p:nvSpPr>
+          <p:cNvPr id="2" name="Title 1"/>
+          <p:cNvSpPr>
+            <a:spLocks noGrp="1"/>
+          </p:cNvSpPr>
+          <p:nvPr>
+            <p:ph type="title"/>
+          </p:nvPr>
+        </p:nvSpPr>
+        <p:spPr/>
+        <p:txBody>
+          <a:bodyPr/>
+          <a:lstStyle/>
+          <a:p>
+            <a:r>
+              <a:rPr lang="en-US" dirty="0" smtClean="0"/>
+              <a:t>Two Common Forms</a:t>
+            </a:r>
+            <a:endParaRPr lang="en-US" dirty="0"/>
+          </a:p>
+        </p:txBody>
+      </p:sp>
+      <p:sp>
+        <p:nvSpPr>
+          <p:cNvPr id="3" name="Content Placeholder 2"/>
+          <p:cNvSpPr>
+            <a:spLocks noGrp="1"/>
+          </p:cNvSpPr>
+          <p:nvPr>
+            <p:ph idx="1"/>
+          </p:nvPr>
+        </p:nvSpPr>
+        <p:spPr/>
+        <p:txBody>
+          <a:bodyPr/>
+          <a:lstStyle/>
+          <a:p>
+            <a:pPr marL="457200" lvl="0" indent="-419100">
+              <a:lnSpc>
+                <a:spcPct val="120000"/>
+              </a:lnSpc>
+              <a:spcBef>
+                <a:spcPts val="0"/>
+              </a:spcBef>
+              <a:buClr>
+                <a:srgbClr val="000000"/>
+              </a:buClr>
+              <a:buSzPts val="3000"/>
+              <a:buChar char="●"/>
+            </a:pPr>
+            <a:r>
+              <a:rPr lang="en-US" dirty="0" smtClean="0">
+                <a:solidFill>
+                  <a:srgbClr val="000000"/>
+                </a:solidFill>
+              </a:rPr>
+              <a:t>Symmetric</a:t>
+            </a:r>
+          </a:p>
+          <a:p>
+            <a:pPr marL="457200" lvl="0" indent="-419100">
+              <a:lnSpc>
+                <a:spcPct val="120000"/>
+              </a:lnSpc>
+              <a:spcBef>
+                <a:spcPts val="0"/>
+              </a:spcBef>
+              <a:buClr>
+                <a:srgbClr val="000000"/>
+              </a:buClr>
+              <a:buSzPts val="3000"/>
+              <a:buChar char="●"/>
+            </a:pPr>
+            <a:r>
+              <a:rPr lang="en-US" dirty="0" smtClean="0">
+                <a:solidFill>
+                  <a:srgbClr val="000000"/>
+                </a:solidFill>
+              </a:rPr>
+              <a:t>Asymmetric</a:t>
+            </a:r>
+            <a:endParaRPr lang="en" dirty="0">
+              <a:solidFill>
+                <a:srgbClr val="000000"/>
+              </a:solidFill>
+            </a:endParaRPr>
+          </a:p>
+          <a:p>
+            <a:endParaRPr lang="en-US" dirty="0"/>
+          </a:p>
+        </p:txBody>
+      </p:sp>
+    </p:spTree>
+    <p:extLst>
+      <p:ext uri="{BB962C8B-B14F-4D97-AF65-F5344CB8AC3E}">
+        <p14:creationId xmlns:p14="http://schemas.microsoft.com/office/powerpoint/2010/main" val="4039848226"/>
+      </p:ext>
+    </p:extLst>
+  </p:cSld>
+  <p:clrMapOvr>
+    <a:masterClrMapping/>
+  </p:clrMapOvr>
+</p:sld>
+</file>
+
+<file path=ppt/slides/slide12.xml><?xml version="1.0" encoding="utf-8"?>
+<p:sld xmlns:a="http://schemas.openxmlformats.org/drawingml/2006/main" xmlns:r="http://schemas.openxmlformats.org/officeDocument/2006/relationships" xmlns:p="http://schemas.openxmlformats.org/presentationml/2006/main">
+  <p:cSld>
+    <p:spTree>
+      <p:nvGrpSpPr>
+        <p:cNvPr id="1" name=""/>
+        <p:cNvGrpSpPr/>
+        <p:nvPr/>
+      </p:nvGrpSpPr>
+      <p:grpSpPr>
+        <a:xfrm>
+          <a:off x="0" y="0"/>
+          <a:ext cx="0" cy="0"/>
+          <a:chOff x="0" y="0"/>
+          <a:chExt cx="0" cy="0"/>
+        </a:xfrm>
+      </p:grpSpPr>
+      <p:pic>
+        <p:nvPicPr>
+          <p:cNvPr id="4" name="Picture 3" descr="Symmetric-Encryption.png"/>
+          <p:cNvPicPr>
+            <a:picLocks noChangeAspect="1"/>
+          </p:cNvPicPr>
+          <p:nvPr/>
+        </p:nvPicPr>
+        <p:blipFill>
+          <a:blip r:embed="rId2">
+            <a:extLst>
+              <a:ext uri="{28A0092B-C50C-407E-A947-70E740481C1C}">
+                <a14:useLocalDpi xmlns:a14="http://schemas.microsoft.com/office/drawing/2010/main" val="0"/>
+              </a:ext>
+            </a:extLst>
+          </a:blip>
+          <a:stretch>
+            <a:fillRect/>
+          </a:stretch>
+        </p:blipFill>
+        <p:spPr>
+          <a:xfrm>
+            <a:off x="581853" y="661064"/>
+            <a:ext cx="10027018" cy="5479589"/>
+          </a:xfrm>
+          <a:prstGeom prst="rect">
+            <a:avLst/>
+          </a:prstGeom>
+        </p:spPr>
+      </p:pic>
+    </p:spTree>
+    <p:extLst>
+      <p:ext uri="{BB962C8B-B14F-4D97-AF65-F5344CB8AC3E}">
+        <p14:creationId xmlns:p14="http://schemas.microsoft.com/office/powerpoint/2010/main" val="4039848226"/>
+      </p:ext>
+    </p:extLst>
+  </p:cSld>
+  <p:clrMapOvr>
+    <a:masterClrMapping/>
+  </p:clrMapOvr>
+</p:sld>
+</file>
+
+<file path=ppt/slides/slide13.xml><?xml version="1.0" encoding="utf-8"?>
+<p:sld xmlns:a="http://schemas.openxmlformats.org/drawingml/2006/main" xmlns:r="http://schemas.openxmlformats.org/officeDocument/2006/relationships" xmlns:p="http://schemas.openxmlformats.org/presentationml/2006/main">
+  <p:cSld>
+    <p:spTree>
+      <p:nvGrpSpPr>
+        <p:cNvPr id="1" name=""/>
+        <p:cNvGrpSpPr/>
+        <p:nvPr/>
+      </p:nvGrpSpPr>
+      <p:grpSpPr>
+        <a:xfrm>
+          <a:off x="0" y="0"/>
+          <a:ext cx="0" cy="0"/>
+          <a:chOff x="0" y="0"/>
+          <a:chExt cx="0" cy="0"/>
+        </a:xfrm>
+      </p:grpSpPr>
+      <p:pic>
+        <p:nvPicPr>
+          <p:cNvPr id="2" name="Picture 1" descr="Asymmetric-encryption-primitive.jpg"/>
+          <p:cNvPicPr>
+            <a:picLocks noChangeAspect="1"/>
+          </p:cNvPicPr>
+          <p:nvPr/>
+        </p:nvPicPr>
+        <p:blipFill>
+          <a:blip r:embed="rId2">
+            <a:extLst>
+              <a:ext uri="{28A0092B-C50C-407E-A947-70E740481C1C}">
+                <a14:useLocalDpi xmlns:a14="http://schemas.microsoft.com/office/drawing/2010/main" val="0"/>
+              </a:ext>
+            </a:extLst>
+          </a:blip>
+          <a:stretch>
+            <a:fillRect/>
+          </a:stretch>
+        </p:blipFill>
+        <p:spPr>
+          <a:xfrm>
+            <a:off x="1883198" y="475276"/>
+            <a:ext cx="8164601" cy="5791170"/>
+          </a:xfrm>
+          <a:prstGeom prst="rect">
+            <a:avLst/>
+          </a:prstGeom>
+        </p:spPr>
+      </p:pic>
+    </p:spTree>
+    <p:extLst>
+      <p:ext uri="{BB962C8B-B14F-4D97-AF65-F5344CB8AC3E}">
+        <p14:creationId xmlns:p14="http://schemas.microsoft.com/office/powerpoint/2010/main" val="586823846"/>
+      </p:ext>
+    </p:extLst>
+  </p:cSld>
+  <p:clrMapOvr>
+    <a:masterClrMapping/>
+  </p:clrMapOvr>
+</p:sld>
+</file>
+
+<file path=ppt/slides/slide14.xml><?xml version="1.0" encoding="utf-8"?>
+<p:sld xmlns:a="http://schemas.openxmlformats.org/drawingml/2006/main" xmlns:r="http://schemas.openxmlformats.org/officeDocument/2006/relationships" xmlns:p="http://schemas.openxmlformats.org/presentationml/2006/main">
+  <p:cSld>
+    <p:spTree>
+      <p:nvGrpSpPr>
+        <p:cNvPr id="1" name=""/>
+        <p:cNvGrpSpPr/>
+        <p:nvPr/>
+      </p:nvGrpSpPr>
+      <p:grpSpPr>
+        <a:xfrm>
+          <a:off x="0" y="0"/>
+          <a:ext cx="0" cy="0"/>
+          <a:chOff x="0" y="0"/>
+          <a:chExt cx="0" cy="0"/>
+        </a:xfrm>
+      </p:grpSpPr>
+      <p:sp>
+        <p:nvSpPr>
+          <p:cNvPr id="2" name="Title 1"/>
+          <p:cNvSpPr>
+            <a:spLocks noGrp="1"/>
+          </p:cNvSpPr>
+          <p:nvPr>
+            <p:ph type="title"/>
+          </p:nvPr>
+        </p:nvSpPr>
+        <p:spPr/>
+        <p:txBody>
+          <a:bodyPr/>
+          <a:lstStyle/>
+          <a:p>
+            <a:r>
+              <a:rPr lang="en-US" dirty="0" smtClean="0"/>
+              <a:t>XXXX</a:t>
+            </a:r>
+            <a:endParaRPr lang="en-US" dirty="0"/>
+          </a:p>
+        </p:txBody>
+      </p:sp>
+      <p:sp>
+        <p:nvSpPr>
+          <p:cNvPr id="3" name="Content Placeholder 2"/>
+          <p:cNvSpPr>
+            <a:spLocks noGrp="1"/>
+          </p:cNvSpPr>
+          <p:nvPr>
+            <p:ph idx="1"/>
+          </p:nvPr>
+        </p:nvSpPr>
+        <p:spPr/>
+        <p:txBody>
+          <a:bodyPr/>
+          <a:lstStyle/>
+          <a:p>
+            <a:pPr marL="457200" lvl="0" indent="-419100">
+              <a:lnSpc>
+                <a:spcPct val="120000"/>
+              </a:lnSpc>
+              <a:spcBef>
+                <a:spcPts val="0"/>
+              </a:spcBef>
+              <a:buClr>
+                <a:srgbClr val="000000"/>
+              </a:buClr>
+              <a:buSzPts val="3000"/>
+              <a:buChar char="●"/>
+            </a:pPr>
+            <a:r>
+              <a:rPr lang="en-US" dirty="0" smtClean="0">
+                <a:solidFill>
+                  <a:srgbClr val="000000"/>
+                </a:solidFill>
+              </a:rPr>
+              <a:t>XXXX</a:t>
+            </a:r>
+            <a:endParaRPr lang="en" dirty="0">
+              <a:solidFill>
+                <a:srgbClr val="000000"/>
+              </a:solidFill>
+            </a:endParaRPr>
+          </a:p>
+          <a:p>
+            <a:endParaRPr lang="en-US" dirty="0"/>
+          </a:p>
+        </p:txBody>
+      </p:sp>
+    </p:spTree>
+    <p:extLst>
+      <p:ext uri="{BB962C8B-B14F-4D97-AF65-F5344CB8AC3E}">
+        <p14:creationId xmlns:p14="http://schemas.microsoft.com/office/powerpoint/2010/main" val="2316426123"/>
+      </p:ext>
+    </p:extLst>
+  </p:cSld>
+  <p:clrMapOvr>
+    <a:masterClrMapping/>
+  </p:clrMapOvr>
+</p:sld>
+</file>
+
+<file path=ppt/slides/slide15.xml><?xml version="1.0" encoding="utf-8"?>
+<p:sld xmlns:a="http://schemas.openxmlformats.org/drawingml/2006/main" xmlns:r="http://schemas.openxmlformats.org/officeDocument/2006/relationships" xmlns:p="http://schemas.openxmlformats.org/presentationml/2006/main">
+  <p:cSld>
+    <p:spTree>
+      <p:nvGrpSpPr>
+        <p:cNvPr id="1" name=""/>
+        <p:cNvGrpSpPr/>
+        <p:nvPr/>
+      </p:nvGrpSpPr>
+      <p:grpSpPr>
+        <a:xfrm>
+          <a:off x="0" y="0"/>
+          <a:ext cx="0" cy="0"/>
+          <a:chOff x="0" y="0"/>
+          <a:chExt cx="0" cy="0"/>
+        </a:xfrm>
+      </p:grpSpPr>
+      <p:sp>
+        <p:nvSpPr>
+          <p:cNvPr id="2" name="Title 1"/>
+          <p:cNvSpPr>
+            <a:spLocks noGrp="1"/>
+          </p:cNvSpPr>
+          <p:nvPr>
+            <p:ph type="title"/>
+          </p:nvPr>
+        </p:nvSpPr>
+        <p:spPr/>
+        <p:txBody>
+          <a:bodyPr/>
+          <a:lstStyle/>
+          <a:p>
+            <a:r>
+              <a:rPr lang="en-US" dirty="0" smtClean="0"/>
+              <a:t>XXXX</a:t>
+            </a:r>
+            <a:endParaRPr lang="en-US" dirty="0"/>
+          </a:p>
+        </p:txBody>
+      </p:sp>
+      <p:sp>
+        <p:nvSpPr>
+          <p:cNvPr id="3" name="Content Placeholder 2"/>
+          <p:cNvSpPr>
+            <a:spLocks noGrp="1"/>
+          </p:cNvSpPr>
+          <p:nvPr>
+            <p:ph idx="1"/>
+          </p:nvPr>
+        </p:nvSpPr>
+        <p:spPr/>
+        <p:txBody>
+          <a:bodyPr/>
+          <a:lstStyle/>
+          <a:p>
+            <a:pPr marL="457200" lvl="0" indent="-419100">
+              <a:lnSpc>
+                <a:spcPct val="120000"/>
+              </a:lnSpc>
+              <a:spcBef>
+                <a:spcPts val="0"/>
+              </a:spcBef>
+              <a:buClr>
+                <a:srgbClr val="000000"/>
+              </a:buClr>
+              <a:buSzPts val="3000"/>
+              <a:buChar char="●"/>
+            </a:pPr>
+            <a:r>
+              <a:rPr lang="en-US" dirty="0" smtClean="0">
+                <a:solidFill>
+                  <a:srgbClr val="000000"/>
+                </a:solidFill>
+              </a:rPr>
+              <a:t>XXXX</a:t>
+            </a:r>
+            <a:endParaRPr lang="en" dirty="0">
+              <a:solidFill>
+                <a:srgbClr val="000000"/>
+              </a:solidFill>
+            </a:endParaRPr>
+          </a:p>
+          <a:p>
+            <a:endParaRPr lang="en-US" dirty="0"/>
+          </a:p>
+        </p:txBody>
+      </p:sp>
+    </p:spTree>
+    <p:extLst>
+      <p:ext uri="{BB962C8B-B14F-4D97-AF65-F5344CB8AC3E}">
+        <p14:creationId xmlns:p14="http://schemas.microsoft.com/office/powerpoint/2010/main" val="3957522357"/>
+      </p:ext>
+    </p:extLst>
+  </p:cSld>
+  <p:clrMapOvr>
+    <a:masterClrMapping/>
+  </p:clrMapOvr>
+</p:sld>
+</file>
+
+<file path=ppt/slides/slide16.xml><?xml version="1.0" encoding="utf-8"?>
+<p:sld xmlns:a="http://schemas.openxmlformats.org/drawingml/2006/main" xmlns:r="http://schemas.openxmlformats.org/officeDocument/2006/relationships" xmlns:p="http://schemas.openxmlformats.org/presentationml/2006/main">
+  <p:cSld>
+    <p:spTree>
+      <p:nvGrpSpPr>
+        <p:cNvPr id="1" name=""/>
+        <p:cNvGrpSpPr/>
+        <p:nvPr/>
+      </p:nvGrpSpPr>
+      <p:grpSpPr>
+        <a:xfrm>
+          <a:off x="0" y="0"/>
+          <a:ext cx="0" cy="0"/>
+          <a:chOff x="0" y="0"/>
+          <a:chExt cx="0" cy="0"/>
+        </a:xfrm>
+      </p:grpSpPr>
+      <p:sp>
+        <p:nvSpPr>
+          <p:cNvPr id="2" name="Title 1"/>
+          <p:cNvSpPr>
+            <a:spLocks noGrp="1"/>
+          </p:cNvSpPr>
+          <p:nvPr>
+            <p:ph type="title"/>
+          </p:nvPr>
+        </p:nvSpPr>
+        <p:spPr/>
+        <p:txBody>
+          <a:bodyPr/>
+          <a:lstStyle/>
+          <a:p>
+            <a:r>
+              <a:rPr lang="en-US" dirty="0" smtClean="0"/>
+              <a:t>XXXX</a:t>
+            </a:r>
+            <a:endParaRPr lang="en-US" dirty="0"/>
+          </a:p>
+        </p:txBody>
+      </p:sp>
+      <p:sp>
+        <p:nvSpPr>
+          <p:cNvPr id="3" name="Content Placeholder 2"/>
+          <p:cNvSpPr>
+            <a:spLocks noGrp="1"/>
+          </p:cNvSpPr>
+          <p:nvPr>
+            <p:ph idx="1"/>
+          </p:nvPr>
+        </p:nvSpPr>
+        <p:spPr/>
+        <p:txBody>
+          <a:bodyPr/>
+          <a:lstStyle/>
+          <a:p>
+            <a:pPr marL="457200" lvl="0" indent="-419100">
+              <a:lnSpc>
+                <a:spcPct val="120000"/>
+              </a:lnSpc>
+              <a:spcBef>
+                <a:spcPts val="0"/>
+              </a:spcBef>
+              <a:buClr>
+                <a:srgbClr val="000000"/>
+              </a:buClr>
+              <a:buSzPts val="3000"/>
+              <a:buChar char="●"/>
+            </a:pPr>
+            <a:r>
+              <a:rPr lang="en-US" dirty="0" smtClean="0">
+                <a:solidFill>
+                  <a:srgbClr val="000000"/>
+                </a:solidFill>
+              </a:rPr>
+              <a:t>XXXX</a:t>
+            </a:r>
+            <a:endParaRPr lang="en" dirty="0">
+              <a:solidFill>
+                <a:srgbClr val="000000"/>
+              </a:solidFill>
+            </a:endParaRPr>
+          </a:p>
+          <a:p>
+            <a:endParaRPr lang="en-US" dirty="0"/>
+          </a:p>
+        </p:txBody>
+      </p:sp>
+    </p:spTree>
+    <p:extLst>
+      <p:ext uri="{BB962C8B-B14F-4D97-AF65-F5344CB8AC3E}">
+        <p14:creationId xmlns:p14="http://schemas.microsoft.com/office/powerpoint/2010/main" val="1512063853"/>
+      </p:ext>
+    </p:extLst>
+  </p:cSld>
+  <p:clrMapOvr>
+    <a:masterClrMapping/>
+  </p:clrMapOvr>
+</p:sld>
+</file>
+
+<file path=ppt/slides/slide17.xml><?xml version="1.0" encoding="utf-8"?>
+<p:sld xmlns:a="http://schemas.openxmlformats.org/drawingml/2006/main" xmlns:r="http://schemas.openxmlformats.org/officeDocument/2006/relationships" xmlns:p="http://schemas.openxmlformats.org/presentationml/2006/main">
+  <p:cSld>
+    <p:spTree>
+      <p:nvGrpSpPr>
+        <p:cNvPr id="1" name=""/>
+        <p:cNvGrpSpPr/>
+        <p:nvPr/>
+      </p:nvGrpSpPr>
+      <p:grpSpPr>
+        <a:xfrm>
+          <a:off x="0" y="0"/>
+          <a:ext cx="0" cy="0"/>
+          <a:chOff x="0" y="0"/>
+          <a:chExt cx="0" cy="0"/>
+        </a:xfrm>
+      </p:grpSpPr>
+      <p:sp>
+        <p:nvSpPr>
+          <p:cNvPr id="2" name="Title 1"/>
+          <p:cNvSpPr>
+            <a:spLocks noGrp="1"/>
+          </p:cNvSpPr>
+          <p:nvPr>
+            <p:ph type="title"/>
+          </p:nvPr>
+        </p:nvSpPr>
+        <p:spPr/>
+        <p:txBody>
+          <a:bodyPr/>
+          <a:lstStyle/>
+          <a:p>
+            <a:r>
+              <a:rPr lang="en-US" dirty="0" smtClean="0"/>
+              <a:t>XXXX</a:t>
+            </a:r>
+            <a:endParaRPr lang="en-US" dirty="0"/>
+          </a:p>
+        </p:txBody>
+      </p:sp>
+      <p:sp>
+        <p:nvSpPr>
+          <p:cNvPr id="3" name="Content Placeholder 2"/>
+          <p:cNvSpPr>
+            <a:spLocks noGrp="1"/>
+          </p:cNvSpPr>
+          <p:nvPr>
+            <p:ph idx="1"/>
+          </p:nvPr>
+        </p:nvSpPr>
+        <p:spPr/>
+        <p:txBody>
+          <a:bodyPr/>
+          <a:lstStyle/>
+          <a:p>
+            <a:pPr marL="457200" lvl="0" indent="-419100">
+              <a:lnSpc>
+                <a:spcPct val="120000"/>
+              </a:lnSpc>
+              <a:spcBef>
+                <a:spcPts val="0"/>
+              </a:spcBef>
+              <a:buClr>
+                <a:srgbClr val="000000"/>
+              </a:buClr>
+              <a:buSzPts val="3000"/>
+              <a:buChar char="●"/>
+            </a:pPr>
+            <a:r>
+              <a:rPr lang="en-US" dirty="0" smtClean="0">
+                <a:solidFill>
+                  <a:srgbClr val="000000"/>
+                </a:solidFill>
+              </a:rPr>
+              <a:t>XXXX</a:t>
+            </a:r>
+            <a:endParaRPr lang="en" dirty="0">
+              <a:solidFill>
+                <a:srgbClr val="000000"/>
+              </a:solidFill>
+            </a:endParaRPr>
+          </a:p>
+          <a:p>
+            <a:endParaRPr lang="en-US" dirty="0"/>
+          </a:p>
+        </p:txBody>
+      </p:sp>
+    </p:spTree>
+    <p:extLst>
+      <p:ext uri="{BB962C8B-B14F-4D97-AF65-F5344CB8AC3E}">
+        <p14:creationId xmlns:p14="http://schemas.microsoft.com/office/powerpoint/2010/main" val="1443632564"/>
+      </p:ext>
+    </p:extLst>
+  </p:cSld>
+  <p:clrMapOvr>
+    <a:masterClrMapping/>
+  </p:clrMapOvr>
+</p:sld>
+</file>
+
+<file path=ppt/slides/slide18.xml><?xml version="1.0" encoding="utf-8"?>
+<p:sld xmlns:a="http://schemas.openxmlformats.org/drawingml/2006/main" xmlns:r="http://schemas.openxmlformats.org/officeDocument/2006/relationships" xmlns:p="http://schemas.openxmlformats.org/presentationml/2006/main">
+  <p:cSld>
+    <p:spTree>
+      <p:nvGrpSpPr>
+        <p:cNvPr id="1" name=""/>
+        <p:cNvGrpSpPr/>
+        <p:nvPr/>
+      </p:nvGrpSpPr>
+      <p:grpSpPr>
+        <a:xfrm>
+          <a:off x="0" y="0"/>
+          <a:ext cx="0" cy="0"/>
+          <a:chOff x="0" y="0"/>
+          <a:chExt cx="0" cy="0"/>
+        </a:xfrm>
+      </p:grpSpPr>
+      <p:sp>
+        <p:nvSpPr>
+          <p:cNvPr id="2" name="Title 1"/>
+          <p:cNvSpPr>
+            <a:spLocks noGrp="1"/>
+          </p:cNvSpPr>
+          <p:nvPr>
+            <p:ph type="title"/>
+          </p:nvPr>
+        </p:nvSpPr>
+        <p:spPr/>
+        <p:txBody>
+          <a:bodyPr/>
+          <a:lstStyle/>
+          <a:p>
+            <a:r>
+              <a:rPr lang="en-US" dirty="0" smtClean="0"/>
+              <a:t>Recap</a:t>
+            </a:r>
+            <a:endParaRPr lang="en-US" dirty="0"/>
+          </a:p>
+        </p:txBody>
+      </p:sp>
+      <p:sp>
+        <p:nvSpPr>
+          <p:cNvPr id="3" name="Content Placeholder 2"/>
+          <p:cNvSpPr>
+            <a:spLocks noGrp="1"/>
+          </p:cNvSpPr>
+          <p:nvPr>
+            <p:ph idx="1"/>
+          </p:nvPr>
+        </p:nvSpPr>
+        <p:spPr/>
+        <p:txBody>
+          <a:bodyPr/>
+          <a:lstStyle/>
+          <a:p>
+            <a:pPr marL="457200" lvl="0" indent="-419100">
+              <a:lnSpc>
+                <a:spcPct val="120000"/>
+              </a:lnSpc>
+              <a:spcBef>
+                <a:spcPts val="0"/>
+              </a:spcBef>
+              <a:buClr>
+                <a:srgbClr val="000000"/>
+              </a:buClr>
+              <a:buSzPts val="3000"/>
+              <a:buChar char="●"/>
+            </a:pPr>
+            <a:r>
+              <a:rPr lang="en-US" dirty="0" smtClean="0">
+                <a:solidFill>
+                  <a:srgbClr val="000000"/>
+                </a:solidFill>
+              </a:rPr>
+              <a:t>Which form of encryption uses the same key? </a:t>
+            </a:r>
+            <a:endParaRPr lang="en-US" dirty="0" smtClean="0">
+              <a:solidFill>
+                <a:srgbClr val="FF0000"/>
+              </a:solidFill>
+            </a:endParaRPr>
+          </a:p>
+          <a:p>
+            <a:pPr marL="457200" indent="-419100">
+              <a:lnSpc>
+                <a:spcPct val="120000"/>
+              </a:lnSpc>
+              <a:spcBef>
+                <a:spcPts val="0"/>
+              </a:spcBef>
+              <a:buClr>
+                <a:srgbClr val="000000"/>
+              </a:buClr>
+              <a:buSzPts val="3000"/>
+              <a:buFont typeface="Arial" panose="020B0604020202020204" pitchFamily="34" charset="0"/>
+              <a:buChar char="●"/>
+            </a:pPr>
+            <a:r>
+              <a:rPr lang="en-US" dirty="0">
+                <a:solidFill>
+                  <a:srgbClr val="000000"/>
+                </a:solidFill>
+              </a:rPr>
+              <a:t>Which form of encryption uses </a:t>
+            </a:r>
+            <a:r>
+              <a:rPr lang="en-US" dirty="0" smtClean="0">
+                <a:solidFill>
+                  <a:srgbClr val="000000"/>
+                </a:solidFill>
+              </a:rPr>
+              <a:t>a different </a:t>
+            </a:r>
+            <a:r>
+              <a:rPr lang="en-US" dirty="0">
+                <a:solidFill>
+                  <a:srgbClr val="000000"/>
+                </a:solidFill>
+              </a:rPr>
+              <a:t>key</a:t>
+            </a:r>
+            <a:r>
+              <a:rPr lang="en-US" dirty="0" smtClean="0">
+                <a:solidFill>
+                  <a:srgbClr val="000000"/>
+                </a:solidFill>
+              </a:rPr>
+              <a:t>? </a:t>
+            </a:r>
+            <a:endParaRPr lang="en-US" dirty="0" smtClean="0">
+              <a:solidFill>
+                <a:srgbClr val="FF0000"/>
+              </a:solidFill>
+            </a:endParaRPr>
+          </a:p>
+          <a:p>
+            <a:pPr marL="457200" indent="-419100">
+              <a:lnSpc>
+                <a:spcPct val="120000"/>
+              </a:lnSpc>
+              <a:spcBef>
+                <a:spcPts val="0"/>
+              </a:spcBef>
+              <a:buClr>
+                <a:srgbClr val="000000"/>
+              </a:buClr>
+              <a:buSzPts val="3000"/>
+              <a:buFont typeface="Arial" panose="020B0604020202020204" pitchFamily="34" charset="0"/>
+              <a:buChar char="●"/>
+            </a:pPr>
+            <a:r>
+              <a:rPr lang="en-US" dirty="0" smtClean="0">
+                <a:solidFill>
+                  <a:srgbClr val="000000"/>
+                </a:solidFill>
+              </a:rPr>
+              <a:t>What are some forms of “defeating” cryptography?</a:t>
+            </a:r>
+            <a:endParaRPr lang="en-US" dirty="0">
+              <a:solidFill>
+                <a:srgbClr val="FF0000"/>
+              </a:solidFill>
+            </a:endParaRPr>
+          </a:p>
+          <a:p>
+            <a:pPr marL="457200" lvl="0" indent="-419100">
+              <a:lnSpc>
+                <a:spcPct val="120000"/>
+              </a:lnSpc>
+              <a:spcBef>
+                <a:spcPts val="0"/>
+              </a:spcBef>
+              <a:buClr>
+                <a:srgbClr val="000000"/>
+              </a:buClr>
+              <a:buSzPts val="3000"/>
+              <a:buChar char="●"/>
+            </a:pPr>
+            <a:endParaRPr lang="en-US" dirty="0" smtClean="0">
+              <a:solidFill>
+                <a:srgbClr val="000000"/>
+              </a:solidFill>
+            </a:endParaRPr>
+          </a:p>
+          <a:p>
+            <a:pPr marL="457200" lvl="0" indent="-419100">
+              <a:lnSpc>
+                <a:spcPct val="120000"/>
+              </a:lnSpc>
+              <a:spcBef>
+                <a:spcPts val="0"/>
+              </a:spcBef>
+              <a:buClr>
+                <a:srgbClr val="000000"/>
+              </a:buClr>
+              <a:buSzPts val="3000"/>
+              <a:buChar char="●"/>
+            </a:pPr>
+            <a:endParaRPr lang="en" dirty="0">
+              <a:solidFill>
+                <a:srgbClr val="000000"/>
+              </a:solidFill>
+            </a:endParaRPr>
+          </a:p>
+          <a:p>
+            <a:endParaRPr lang="en-US" dirty="0"/>
+          </a:p>
+        </p:txBody>
+      </p:sp>
+    </p:spTree>
+    <p:extLst>
+      <p:ext uri="{BB962C8B-B14F-4D97-AF65-F5344CB8AC3E}">
+        <p14:creationId xmlns:p14="http://schemas.microsoft.com/office/powerpoint/2010/main" val="4039848226"/>
+      </p:ext>
+    </p:extLst>
+  </p:cSld>
+  <p:clrMapOvr>
+    <a:masterClrMapping/>
+  </p:clrMapOvr>
+</p:sld>
+</file>
+
+<file path=ppt/slides/slide19.xml><?xml version="1.0" encoding="utf-8"?>
+<p:sld xmlns:a="http://schemas.openxmlformats.org/drawingml/2006/main" xmlns:r="http://schemas.openxmlformats.org/officeDocument/2006/relationships" xmlns:p="http://schemas.openxmlformats.org/presentationml/2006/main">
+  <p:cSld>
+    <p:spTree>
+      <p:nvGrpSpPr>
+        <p:cNvPr id="1" name=""/>
+        <p:cNvGrpSpPr/>
+        <p:nvPr/>
+      </p:nvGrpSpPr>
+      <p:grpSpPr>
+        <a:xfrm>
+          <a:off x="0" y="0"/>
+          <a:ext cx="0" cy="0"/>
+          <a:chOff x="0" y="0"/>
+          <a:chExt cx="0" cy="0"/>
+        </a:xfrm>
+      </p:grpSpPr>
+      <p:sp>
+        <p:nvSpPr>
+          <p:cNvPr id="2" name="Title 1"/>
+          <p:cNvSpPr>
+            <a:spLocks noGrp="1"/>
+          </p:cNvSpPr>
+          <p:nvPr>
+            <p:ph type="title"/>
+          </p:nvPr>
+        </p:nvSpPr>
+        <p:spPr/>
+        <p:txBody>
+          <a:bodyPr/>
+          <a:lstStyle/>
+          <a:p>
+            <a:r>
+              <a:rPr lang="en-US" dirty="0" smtClean="0"/>
+              <a:t>Recap</a:t>
+            </a:r>
+            <a:endParaRPr lang="en-US" dirty="0"/>
+          </a:p>
+        </p:txBody>
+      </p:sp>
+      <p:sp>
+        <p:nvSpPr>
+          <p:cNvPr id="3" name="Content Placeholder 2"/>
+          <p:cNvSpPr>
+            <a:spLocks noGrp="1"/>
+          </p:cNvSpPr>
+          <p:nvPr>
+            <p:ph idx="1"/>
+          </p:nvPr>
+        </p:nvSpPr>
+        <p:spPr/>
+        <p:txBody>
+          <a:bodyPr/>
+          <a:lstStyle/>
+          <a:p>
+            <a:pPr marL="457200" lvl="0" indent="-419100">
+              <a:lnSpc>
+                <a:spcPct val="120000"/>
+              </a:lnSpc>
+              <a:spcBef>
+                <a:spcPts val="0"/>
+              </a:spcBef>
+              <a:buClr>
+                <a:srgbClr val="000000"/>
+              </a:buClr>
+              <a:buSzPts val="3000"/>
+              <a:buChar char="●"/>
+            </a:pPr>
+            <a:r>
+              <a:rPr lang="en-US" dirty="0" smtClean="0">
+                <a:solidFill>
+                  <a:srgbClr val="000000"/>
+                </a:solidFill>
+              </a:rPr>
+              <a:t>Which form of encryption uses the same key? </a:t>
+            </a:r>
+            <a:r>
+              <a:rPr lang="en-US" dirty="0" smtClean="0">
+                <a:solidFill>
+                  <a:srgbClr val="FF0000"/>
+                </a:solidFill>
+              </a:rPr>
+              <a:t>Symmetric</a:t>
+            </a:r>
+          </a:p>
+          <a:p>
+            <a:pPr marL="457200" indent="-419100">
+              <a:lnSpc>
+                <a:spcPct val="120000"/>
+              </a:lnSpc>
+              <a:spcBef>
+                <a:spcPts val="0"/>
+              </a:spcBef>
+              <a:buClr>
+                <a:srgbClr val="000000"/>
+              </a:buClr>
+              <a:buSzPts val="3000"/>
+              <a:buFont typeface="Arial" panose="020B0604020202020204" pitchFamily="34" charset="0"/>
+              <a:buChar char="●"/>
+            </a:pPr>
+            <a:r>
+              <a:rPr lang="en-US" dirty="0">
+                <a:solidFill>
+                  <a:srgbClr val="000000"/>
+                </a:solidFill>
+              </a:rPr>
+              <a:t>Which form of encryption uses </a:t>
+            </a:r>
+            <a:r>
+              <a:rPr lang="en-US" dirty="0" smtClean="0">
+                <a:solidFill>
+                  <a:srgbClr val="000000"/>
+                </a:solidFill>
+              </a:rPr>
+              <a:t>a different </a:t>
+            </a:r>
+            <a:r>
+              <a:rPr lang="en-US" dirty="0">
+                <a:solidFill>
+                  <a:srgbClr val="000000"/>
+                </a:solidFill>
+              </a:rPr>
+              <a:t>key</a:t>
+            </a:r>
+            <a:r>
+              <a:rPr lang="en-US" dirty="0" smtClean="0">
+                <a:solidFill>
+                  <a:srgbClr val="000000"/>
+                </a:solidFill>
+              </a:rPr>
+              <a:t>? </a:t>
+            </a:r>
+            <a:r>
+              <a:rPr lang="en-US" dirty="0" smtClean="0">
+                <a:solidFill>
+                  <a:srgbClr val="FF0000"/>
+                </a:solidFill>
+              </a:rPr>
+              <a:t>Asymmetric</a:t>
+            </a:r>
+          </a:p>
+          <a:p>
+            <a:pPr marL="457200" indent="-419100">
+              <a:lnSpc>
+                <a:spcPct val="120000"/>
+              </a:lnSpc>
+              <a:spcBef>
+                <a:spcPts val="0"/>
+              </a:spcBef>
+              <a:buClr>
+                <a:srgbClr val="000000"/>
+              </a:buClr>
+              <a:buSzPts val="3000"/>
+              <a:buFont typeface="Arial" panose="020B0604020202020204" pitchFamily="34" charset="0"/>
+              <a:buChar char="●"/>
+            </a:pPr>
+            <a:r>
+              <a:rPr lang="en-US" dirty="0" smtClean="0">
+                <a:solidFill>
+                  <a:srgbClr val="000000"/>
+                </a:solidFill>
+              </a:rPr>
+              <a:t>What are some forms of “defeating” cryptography? </a:t>
+            </a:r>
+            <a:r>
+              <a:rPr lang="en-US" dirty="0" smtClean="0">
+                <a:solidFill>
+                  <a:srgbClr val="FF0000"/>
+                </a:solidFill>
+              </a:rPr>
+              <a:t>Brute force, common word</a:t>
+            </a:r>
+            <a:endParaRPr lang="en-US" dirty="0">
+              <a:solidFill>
+                <a:srgbClr val="FF0000"/>
+              </a:solidFill>
+            </a:endParaRPr>
+          </a:p>
+          <a:p>
+            <a:pPr marL="457200" lvl="0" indent="-419100">
+              <a:lnSpc>
+                <a:spcPct val="120000"/>
+              </a:lnSpc>
+              <a:spcBef>
+                <a:spcPts val="0"/>
+              </a:spcBef>
+              <a:buClr>
+                <a:srgbClr val="000000"/>
+              </a:buClr>
+              <a:buSzPts val="3000"/>
+              <a:buChar char="●"/>
+            </a:pPr>
+            <a:endParaRPr lang="en-US" dirty="0" smtClean="0">
+              <a:solidFill>
+                <a:srgbClr val="000000"/>
+              </a:solidFill>
+            </a:endParaRPr>
+          </a:p>
+          <a:p>
+            <a:pPr marL="457200" lvl="0" indent="-419100">
+              <a:lnSpc>
+                <a:spcPct val="120000"/>
+              </a:lnSpc>
+              <a:spcBef>
+                <a:spcPts val="0"/>
+              </a:spcBef>
+              <a:buClr>
+                <a:srgbClr val="000000"/>
+              </a:buClr>
+              <a:buSzPts val="3000"/>
+              <a:buChar char="●"/>
+            </a:pPr>
+            <a:endParaRPr lang="en" dirty="0">
+              <a:solidFill>
+                <a:srgbClr val="000000"/>
+              </a:solidFill>
+            </a:endParaRPr>
+          </a:p>
+          <a:p>
+            <a:endParaRPr lang="en-US" dirty="0"/>
+          </a:p>
+        </p:txBody>
+      </p:sp>
+    </p:spTree>
+    <p:extLst>
+      <p:ext uri="{BB962C8B-B14F-4D97-AF65-F5344CB8AC3E}">
+        <p14:creationId xmlns:p14="http://schemas.microsoft.com/office/powerpoint/2010/main" val="1740885515"/>
+      </p:ext>
+    </p:extLst>
+  </p:cSld>
+  <p:clrMapOvr>
+    <a:masterClrMapping/>
+  </p:clrMapOvr>
+</p:sld>
+</file>
+
 <file path=ppt/slides/slide2.xml><?xml version="1.0" encoding="utf-8"?>
 <p:sld xmlns:a="http://schemas.openxmlformats.org/drawingml/2006/main" xmlns:r="http://schemas.openxmlformats.org/officeDocument/2006/relationships" xmlns:p="http://schemas.openxmlformats.org/presentationml/2006/main">
   <p:cSld>
@@ -3156,7 +4375,7 @@
           <a:p>
             <a:r>
               <a:rPr lang="en-US" dirty="0" smtClean="0"/>
-              <a:t>XXXX</a:t>
+              <a:t>What is Encryption</a:t>
             </a:r>
             <a:endParaRPr lang="en-US" dirty="0"/>
           </a:p>
@@ -3196,7 +4415,7 @@
                   <a:srgbClr val="000000"/>
                 </a:solidFill>
               </a:rPr>
-              <a:t>XXXX</a:t>
+              <a:t>Methods of masking messages from unintended parties</a:t>
             </a:r>
             <a:endParaRPr lang="en" dirty="0">
               <a:solidFill>
@@ -3222,7 +4441,153 @@
 </p:sld>
 </file>
 
-<file path=ppt/slides/slide3.xml><?xml version="1.0" encoding="utf-8"?>
+<file path=ppt/slides/slide20.xml><?xml version="1.0" encoding="utf-8"?>
+<p:sld xmlns:a="http://schemas.openxmlformats.org/drawingml/2006/main" xmlns:r="http://schemas.openxmlformats.org/officeDocument/2006/relationships" xmlns:p="http://schemas.openxmlformats.org/presentationml/2006/main">
+  <p:cSld>
+    <p:spTree>
+      <p:nvGrpSpPr>
+        <p:cNvPr id="1" name=""/>
+        <p:cNvGrpSpPr/>
+        <p:nvPr/>
+      </p:nvGrpSpPr>
+      <p:grpSpPr>
+        <a:xfrm>
+          <a:off x="0" y="0"/>
+          <a:ext cx="0" cy="0"/>
+          <a:chOff x="0" y="0"/>
+          <a:chExt cx="0" cy="0"/>
+        </a:xfrm>
+      </p:grpSpPr>
+      <p:sp>
+        <p:nvSpPr>
+          <p:cNvPr id="2" name="Title 1"/>
+          <p:cNvSpPr>
+            <a:spLocks noGrp="1"/>
+          </p:cNvSpPr>
+          <p:nvPr>
+            <p:ph type="title"/>
+          </p:nvPr>
+        </p:nvSpPr>
+        <p:spPr/>
+        <p:txBody>
+          <a:bodyPr/>
+          <a:lstStyle/>
+          <a:p>
+            <a:r>
+              <a:rPr lang="en-US" dirty="0" smtClean="0"/>
+              <a:t>Activity</a:t>
+            </a:r>
+            <a:endParaRPr lang="en-US" dirty="0"/>
+          </a:p>
+        </p:txBody>
+      </p:sp>
+      <p:sp>
+        <p:nvSpPr>
+          <p:cNvPr id="3" name="Content Placeholder 2"/>
+          <p:cNvSpPr>
+            <a:spLocks noGrp="1"/>
+          </p:cNvSpPr>
+          <p:nvPr>
+            <p:ph idx="1"/>
+          </p:nvPr>
+        </p:nvSpPr>
+        <p:spPr/>
+        <p:txBody>
+          <a:bodyPr/>
+          <a:lstStyle/>
+          <a:p>
+            <a:pPr marL="457200" lvl="0" indent="-419100">
+              <a:lnSpc>
+                <a:spcPct val="120000"/>
+              </a:lnSpc>
+              <a:spcBef>
+                <a:spcPts val="0"/>
+              </a:spcBef>
+              <a:buClr>
+                <a:srgbClr val="000000"/>
+              </a:buClr>
+              <a:buSzPts val="3000"/>
+              <a:buChar char="●"/>
+            </a:pPr>
+            <a:r>
+              <a:rPr lang="en-US" dirty="0" smtClean="0">
+                <a:solidFill>
+                  <a:srgbClr val="000000"/>
+                </a:solidFill>
+              </a:rPr>
+              <a:t>Implement several forms of cryptography</a:t>
+            </a:r>
+          </a:p>
+          <a:p>
+            <a:pPr marL="457200" lvl="0" indent="-419100">
+              <a:lnSpc>
+                <a:spcPct val="120000"/>
+              </a:lnSpc>
+              <a:spcBef>
+                <a:spcPts val="0"/>
+              </a:spcBef>
+              <a:buClr>
+                <a:srgbClr val="000000"/>
+              </a:buClr>
+              <a:buSzPts val="3000"/>
+              <a:buChar char="●"/>
+            </a:pPr>
+            <a:r>
+              <a:rPr lang="en-US" dirty="0" smtClean="0">
+                <a:solidFill>
+                  <a:srgbClr val="000000"/>
+                </a:solidFill>
+              </a:rPr>
+              <a:t>See why cryptography is necessary</a:t>
+            </a:r>
+          </a:p>
+          <a:p>
+            <a:pPr marL="457200" lvl="0" indent="-419100">
+              <a:lnSpc>
+                <a:spcPct val="120000"/>
+              </a:lnSpc>
+              <a:spcBef>
+                <a:spcPts val="0"/>
+              </a:spcBef>
+              <a:buClr>
+                <a:srgbClr val="000000"/>
+              </a:buClr>
+              <a:buSzPts val="3000"/>
+              <a:buChar char="●"/>
+            </a:pPr>
+            <a:r>
+              <a:rPr lang="en-US" dirty="0" smtClean="0">
+                <a:solidFill>
+                  <a:srgbClr val="000000"/>
+                </a:solidFill>
+              </a:rPr>
+              <a:t>Break the forms of cryptography</a:t>
+            </a:r>
+            <a:endParaRPr lang="en" dirty="0">
+              <a:solidFill>
+                <a:srgbClr val="000000"/>
+              </a:solidFill>
+            </a:endParaRPr>
+          </a:p>
+          <a:p>
+            <a:endParaRPr lang="en-US" dirty="0"/>
+          </a:p>
+        </p:txBody>
+      </p:sp>
+    </p:spTree>
+    <p:extLst>
+      <p:ext uri="{BB962C8B-B14F-4D97-AF65-F5344CB8AC3E}">
+        <p14:creationId xmlns:p14="http://schemas.microsoft.com/office/powerpoint/2010/main" val="4039848226"/>
+      </p:ext>
+    </p:extLst>
+  </p:cSld>
+  <p:clrMapOvr>
+    <a:masterClrMapping/>
+  </p:clrMapOvr>
+</p:sld>
+</file>
+
+<file path=ppt/slides/slide21.xml><?xml version="1.0" encoding="utf-8"?>
 <p:sld xmlns:a="http://schemas.openxmlformats.org/drawingml/2006/main" xmlns:r="http://schemas.openxmlformats.org/officeDocument/2006/relationships" xmlns:p="http://schemas.openxmlformats.org/presentationml/2006/main">
   <p:cSld>
     <p:spTree>
@@ -3296,6 +4661,905 @@
     <p:extLst>
       <p:ext uri="{BB962C8B-B14F-4D97-AF65-F5344CB8AC3E}">
         <p14:creationId xmlns:p14="http://schemas.microsoft.com/office/powerpoint/2010/main" val="409215213"/>
+      </p:ext>
+    </p:extLst>
+  </p:cSld>
+  <p:clrMapOvr>
+    <a:masterClrMapping/>
+  </p:clrMapOvr>
+</p:sld>
+</file>
+
+<file path=ppt/slides/slide3.xml><?xml version="1.0" encoding="utf-8"?>
+<p:sld xmlns:a="http://schemas.openxmlformats.org/drawingml/2006/main" xmlns:r="http://schemas.openxmlformats.org/officeDocument/2006/relationships" xmlns:p="http://schemas.openxmlformats.org/presentationml/2006/main">
+  <p:cSld>
+    <p:spTree>
+      <p:nvGrpSpPr>
+        <p:cNvPr id="1" name=""/>
+        <p:cNvGrpSpPr/>
+        <p:nvPr/>
+      </p:nvGrpSpPr>
+      <p:grpSpPr>
+        <a:xfrm>
+          <a:off x="0" y="0"/>
+          <a:ext cx="0" cy="0"/>
+          <a:chOff x="0" y="0"/>
+          <a:chExt cx="0" cy="0"/>
+        </a:xfrm>
+      </p:grpSpPr>
+      <p:sp>
+        <p:nvSpPr>
+          <p:cNvPr id="2" name="Title 1"/>
+          <p:cNvSpPr>
+            <a:spLocks noGrp="1"/>
+          </p:cNvSpPr>
+          <p:nvPr>
+            <p:ph type="title"/>
+          </p:nvPr>
+        </p:nvSpPr>
+        <p:spPr/>
+        <p:txBody>
+          <a:bodyPr/>
+          <a:lstStyle/>
+          <a:p>
+            <a:r>
+              <a:rPr lang="en-US" dirty="0" smtClean="0"/>
+              <a:t>Your Thoughts on Each?</a:t>
+            </a:r>
+            <a:endParaRPr lang="en-US" dirty="0"/>
+          </a:p>
+        </p:txBody>
+      </p:sp>
+      <p:sp>
+        <p:nvSpPr>
+          <p:cNvPr id="3" name="Content Placeholder 2"/>
+          <p:cNvSpPr>
+            <a:spLocks noGrp="1"/>
+          </p:cNvSpPr>
+          <p:nvPr>
+            <p:ph idx="1"/>
+          </p:nvPr>
+        </p:nvSpPr>
+        <p:spPr/>
+        <p:txBody>
+          <a:bodyPr/>
+          <a:lstStyle/>
+          <a:p>
+            <a:pPr marL="457200" lvl="0" indent="-419100">
+              <a:lnSpc>
+                <a:spcPct val="120000"/>
+              </a:lnSpc>
+              <a:spcBef>
+                <a:spcPts val="0"/>
+              </a:spcBef>
+              <a:buClr>
+                <a:srgbClr val="000000"/>
+              </a:buClr>
+              <a:buSzPts val="3000"/>
+              <a:buChar char="●"/>
+            </a:pPr>
+            <a:r>
+              <a:rPr lang="en-US" dirty="0" smtClean="0">
+                <a:solidFill>
+                  <a:srgbClr val="000000"/>
+                </a:solidFill>
+              </a:rPr>
+              <a:t>Which would you use and when?</a:t>
+            </a:r>
+          </a:p>
+          <a:p>
+            <a:pPr marL="457200" lvl="0" indent="-419100">
+              <a:lnSpc>
+                <a:spcPct val="120000"/>
+              </a:lnSpc>
+              <a:spcBef>
+                <a:spcPts val="0"/>
+              </a:spcBef>
+              <a:buClr>
+                <a:srgbClr val="000000"/>
+              </a:buClr>
+              <a:buSzPts val="3000"/>
+              <a:buChar char="●"/>
+            </a:pPr>
+            <a:r>
+              <a:rPr lang="en-US" dirty="0" smtClean="0">
+                <a:solidFill>
+                  <a:srgbClr val="000000"/>
+                </a:solidFill>
+              </a:rPr>
+              <a:t>What are the strengths and weaknesses of each?</a:t>
+            </a:r>
+            <a:endParaRPr lang="en" dirty="0">
+              <a:solidFill>
+                <a:srgbClr val="000000"/>
+              </a:solidFill>
+            </a:endParaRPr>
+          </a:p>
+          <a:p>
+            <a:endParaRPr lang="en-US" dirty="0"/>
+          </a:p>
+        </p:txBody>
+      </p:sp>
+    </p:spTree>
+    <p:extLst>
+      <p:ext uri="{BB962C8B-B14F-4D97-AF65-F5344CB8AC3E}">
+        <p14:creationId xmlns:p14="http://schemas.microsoft.com/office/powerpoint/2010/main" val="4039848226"/>
+      </p:ext>
+    </p:extLst>
+  </p:cSld>
+  <p:clrMapOvr>
+    <a:masterClrMapping/>
+  </p:clrMapOvr>
+</p:sld>
+</file>
+
+<file path=ppt/slides/slide4.xml><?xml version="1.0" encoding="utf-8"?>
+<p:sld xmlns:a="http://schemas.openxmlformats.org/drawingml/2006/main" xmlns:r="http://schemas.openxmlformats.org/officeDocument/2006/relationships" xmlns:p="http://schemas.openxmlformats.org/presentationml/2006/main">
+  <p:cSld>
+    <p:spTree>
+      <p:nvGrpSpPr>
+        <p:cNvPr id="1" name=""/>
+        <p:cNvGrpSpPr/>
+        <p:nvPr/>
+      </p:nvGrpSpPr>
+      <p:grpSpPr>
+        <a:xfrm>
+          <a:off x="0" y="0"/>
+          <a:ext cx="0" cy="0"/>
+          <a:chOff x="0" y="0"/>
+          <a:chExt cx="0" cy="0"/>
+        </a:xfrm>
+      </p:grpSpPr>
+      <p:sp>
+        <p:nvSpPr>
+          <p:cNvPr id="2" name="Title 1"/>
+          <p:cNvSpPr>
+            <a:spLocks noGrp="1"/>
+          </p:cNvSpPr>
+          <p:nvPr>
+            <p:ph type="title"/>
+          </p:nvPr>
+        </p:nvSpPr>
+        <p:spPr/>
+        <p:txBody>
+          <a:bodyPr/>
+          <a:lstStyle/>
+          <a:p>
+            <a:r>
+              <a:rPr lang="en-US" dirty="0" smtClean="0"/>
+              <a:t>Some Forms of Cryptography</a:t>
+            </a:r>
+            <a:endParaRPr lang="en-US" dirty="0"/>
+          </a:p>
+        </p:txBody>
+      </p:sp>
+      <p:sp>
+        <p:nvSpPr>
+          <p:cNvPr id="3" name="Content Placeholder 2"/>
+          <p:cNvSpPr>
+            <a:spLocks noGrp="1"/>
+          </p:cNvSpPr>
+          <p:nvPr>
+            <p:ph idx="1"/>
+          </p:nvPr>
+        </p:nvSpPr>
+        <p:spPr/>
+        <p:txBody>
+          <a:bodyPr/>
+          <a:lstStyle/>
+          <a:p>
+            <a:pPr marL="457200" lvl="0" indent="-419100">
+              <a:lnSpc>
+                <a:spcPct val="120000"/>
+              </a:lnSpc>
+              <a:spcBef>
+                <a:spcPts val="0"/>
+              </a:spcBef>
+              <a:buClr>
+                <a:srgbClr val="000000"/>
+              </a:buClr>
+              <a:buSzPts val="3000"/>
+              <a:buChar char="●"/>
+            </a:pPr>
+            <a:r>
+              <a:rPr lang="en-US" dirty="0" smtClean="0">
+                <a:solidFill>
+                  <a:srgbClr val="000000"/>
+                </a:solidFill>
+              </a:rPr>
+              <a:t>Caesar Cipher</a:t>
+            </a:r>
+          </a:p>
+          <a:p>
+            <a:pPr marL="457200" lvl="0" indent="-419100">
+              <a:lnSpc>
+                <a:spcPct val="120000"/>
+              </a:lnSpc>
+              <a:spcBef>
+                <a:spcPts val="0"/>
+              </a:spcBef>
+              <a:buClr>
+                <a:srgbClr val="000000"/>
+              </a:buClr>
+              <a:buSzPts val="3000"/>
+              <a:buChar char="●"/>
+            </a:pPr>
+            <a:r>
+              <a:rPr lang="en-US" dirty="0" smtClean="0">
+                <a:solidFill>
+                  <a:srgbClr val="000000"/>
+                </a:solidFill>
+              </a:rPr>
+              <a:t>XXXX</a:t>
+            </a:r>
+            <a:endParaRPr lang="en-US" dirty="0" smtClean="0">
+              <a:solidFill>
+                <a:srgbClr val="000000"/>
+              </a:solidFill>
+            </a:endParaRPr>
+          </a:p>
+          <a:p>
+            <a:pPr marL="457200" lvl="0" indent="-419100">
+              <a:lnSpc>
+                <a:spcPct val="120000"/>
+              </a:lnSpc>
+              <a:spcBef>
+                <a:spcPts val="0"/>
+              </a:spcBef>
+              <a:buClr>
+                <a:srgbClr val="000000"/>
+              </a:buClr>
+              <a:buSzPts val="3000"/>
+              <a:buChar char="●"/>
+            </a:pPr>
+            <a:r>
+              <a:rPr lang="en-US" dirty="0" smtClean="0">
+                <a:solidFill>
+                  <a:srgbClr val="000000"/>
+                </a:solidFill>
+              </a:rPr>
+              <a:t>XXXX</a:t>
+            </a:r>
+            <a:endParaRPr lang="en" dirty="0">
+              <a:solidFill>
+                <a:srgbClr val="000000"/>
+              </a:solidFill>
+            </a:endParaRPr>
+          </a:p>
+          <a:p>
+            <a:endParaRPr lang="en-US" dirty="0"/>
+          </a:p>
+        </p:txBody>
+      </p:sp>
+    </p:spTree>
+    <p:extLst>
+      <p:ext uri="{BB962C8B-B14F-4D97-AF65-F5344CB8AC3E}">
+        <p14:creationId xmlns:p14="http://schemas.microsoft.com/office/powerpoint/2010/main" val="4039848226"/>
+      </p:ext>
+    </p:extLst>
+  </p:cSld>
+  <p:clrMapOvr>
+    <a:masterClrMapping/>
+  </p:clrMapOvr>
+</p:sld>
+</file>
+
+<file path=ppt/slides/slide5.xml><?xml version="1.0" encoding="utf-8"?>
+<p:sld xmlns:a="http://schemas.openxmlformats.org/drawingml/2006/main" xmlns:r="http://schemas.openxmlformats.org/officeDocument/2006/relationships" xmlns:p="http://schemas.openxmlformats.org/presentationml/2006/main">
+  <p:cSld>
+    <p:spTree>
+      <p:nvGrpSpPr>
+        <p:cNvPr id="1" name=""/>
+        <p:cNvGrpSpPr/>
+        <p:nvPr/>
+      </p:nvGrpSpPr>
+      <p:grpSpPr>
+        <a:xfrm>
+          <a:off x="0" y="0"/>
+          <a:ext cx="0" cy="0"/>
+          <a:chOff x="0" y="0"/>
+          <a:chExt cx="0" cy="0"/>
+        </a:xfrm>
+      </p:grpSpPr>
+      <p:sp>
+        <p:nvSpPr>
+          <p:cNvPr id="2" name="Title 1"/>
+          <p:cNvSpPr>
+            <a:spLocks noGrp="1"/>
+          </p:cNvSpPr>
+          <p:nvPr>
+            <p:ph type="title"/>
+          </p:nvPr>
+        </p:nvSpPr>
+        <p:spPr/>
+        <p:txBody>
+          <a:bodyPr/>
+          <a:lstStyle/>
+          <a:p>
+            <a:r>
+              <a:rPr lang="en-US" dirty="0" smtClean="0"/>
+              <a:t>Caesar Cipher</a:t>
+            </a:r>
+            <a:endParaRPr lang="en-US" dirty="0"/>
+          </a:p>
+        </p:txBody>
+      </p:sp>
+      <p:sp>
+        <p:nvSpPr>
+          <p:cNvPr id="3" name="Content Placeholder 2"/>
+          <p:cNvSpPr>
+            <a:spLocks noGrp="1"/>
+          </p:cNvSpPr>
+          <p:nvPr>
+            <p:ph idx="1"/>
+          </p:nvPr>
+        </p:nvSpPr>
+        <p:spPr/>
+        <p:txBody>
+          <a:bodyPr/>
+          <a:lstStyle/>
+          <a:p>
+            <a:pPr marL="457200" lvl="0" indent="-419100">
+              <a:lnSpc>
+                <a:spcPct val="120000"/>
+              </a:lnSpc>
+              <a:spcBef>
+                <a:spcPts val="0"/>
+              </a:spcBef>
+              <a:buClr>
+                <a:srgbClr val="000000"/>
+              </a:buClr>
+              <a:buSzPts val="3000"/>
+              <a:buChar char="●"/>
+            </a:pPr>
+            <a:r>
+              <a:rPr lang="en-US" dirty="0" smtClean="0">
+                <a:solidFill>
+                  <a:srgbClr val="000000"/>
+                </a:solidFill>
+              </a:rPr>
+              <a:t>Each letter “shifts”</a:t>
+            </a:r>
+            <a:endParaRPr lang="en" dirty="0">
+              <a:solidFill>
+                <a:srgbClr val="000000"/>
+              </a:solidFill>
+            </a:endParaRPr>
+          </a:p>
+          <a:p>
+            <a:endParaRPr lang="en-US" dirty="0"/>
+          </a:p>
+        </p:txBody>
+      </p:sp>
+      <p:pic>
+        <p:nvPicPr>
+          <p:cNvPr id="4" name="Picture 3" descr="cae.png"/>
+          <p:cNvPicPr>
+            <a:picLocks noChangeAspect="1"/>
+          </p:cNvPicPr>
+          <p:nvPr/>
+        </p:nvPicPr>
+        <p:blipFill>
+          <a:blip r:embed="rId2">
+            <a:extLst>
+              <a:ext uri="{28A0092B-C50C-407E-A947-70E740481C1C}">
+                <a14:useLocalDpi xmlns:a14="http://schemas.microsoft.com/office/drawing/2010/main" val="0"/>
+              </a:ext>
+            </a:extLst>
+          </a:blip>
+          <a:stretch>
+            <a:fillRect/>
+          </a:stretch>
+        </p:blipFill>
+        <p:spPr>
+          <a:xfrm>
+            <a:off x="6175424" y="1062875"/>
+            <a:ext cx="4901270" cy="4901270"/>
+          </a:xfrm>
+          <a:prstGeom prst="rect">
+            <a:avLst/>
+          </a:prstGeom>
+        </p:spPr>
+      </p:pic>
+      <p:pic>
+        <p:nvPicPr>
+          <p:cNvPr id="5" name="Picture 4" descr="cae2.png"/>
+          <p:cNvPicPr>
+            <a:picLocks noChangeAspect="1"/>
+          </p:cNvPicPr>
+          <p:nvPr/>
+        </p:nvPicPr>
+        <p:blipFill>
+          <a:blip r:embed="rId3">
+            <a:extLst>
+              <a:ext uri="{28A0092B-C50C-407E-A947-70E740481C1C}">
+                <a14:useLocalDpi xmlns:a14="http://schemas.microsoft.com/office/drawing/2010/main" val="0"/>
+              </a:ext>
+            </a:extLst>
+          </a:blip>
+          <a:stretch>
+            <a:fillRect/>
+          </a:stretch>
+        </p:blipFill>
+        <p:spPr>
+          <a:xfrm>
+            <a:off x="160765" y="3707394"/>
+            <a:ext cx="5999309" cy="2529709"/>
+          </a:xfrm>
+          <a:prstGeom prst="rect">
+            <a:avLst/>
+          </a:prstGeom>
+        </p:spPr>
+      </p:pic>
+    </p:spTree>
+    <p:extLst>
+      <p:ext uri="{BB962C8B-B14F-4D97-AF65-F5344CB8AC3E}">
+        <p14:creationId xmlns:p14="http://schemas.microsoft.com/office/powerpoint/2010/main" val="2316426123"/>
+      </p:ext>
+    </p:extLst>
+  </p:cSld>
+  <p:clrMapOvr>
+    <a:masterClrMapping/>
+  </p:clrMapOvr>
+</p:sld>
+</file>
+
+<file path=ppt/slides/slide6.xml><?xml version="1.0" encoding="utf-8"?>
+<p:sld xmlns:a="http://schemas.openxmlformats.org/drawingml/2006/main" xmlns:r="http://schemas.openxmlformats.org/officeDocument/2006/relationships" xmlns:p="http://schemas.openxmlformats.org/presentationml/2006/main">
+  <p:cSld>
+    <p:spTree>
+      <p:nvGrpSpPr>
+        <p:cNvPr id="1" name=""/>
+        <p:cNvGrpSpPr/>
+        <p:nvPr/>
+      </p:nvGrpSpPr>
+      <p:grpSpPr>
+        <a:xfrm>
+          <a:off x="0" y="0"/>
+          <a:ext cx="0" cy="0"/>
+          <a:chOff x="0" y="0"/>
+          <a:chExt cx="0" cy="0"/>
+        </a:xfrm>
+      </p:grpSpPr>
+      <p:sp>
+        <p:nvSpPr>
+          <p:cNvPr id="2" name="Title 1"/>
+          <p:cNvSpPr>
+            <a:spLocks noGrp="1"/>
+          </p:cNvSpPr>
+          <p:nvPr>
+            <p:ph type="title"/>
+          </p:nvPr>
+        </p:nvSpPr>
+        <p:spPr/>
+        <p:txBody>
+          <a:bodyPr/>
+          <a:lstStyle/>
+          <a:p>
+            <a:r>
+              <a:rPr lang="en-US" dirty="0" smtClean="0"/>
+              <a:t>Cryptanalysis</a:t>
+            </a:r>
+            <a:endParaRPr lang="en-US" dirty="0"/>
+          </a:p>
+        </p:txBody>
+      </p:sp>
+      <p:sp>
+        <p:nvSpPr>
+          <p:cNvPr id="3" name="Content Placeholder 2"/>
+          <p:cNvSpPr>
+            <a:spLocks noGrp="1"/>
+          </p:cNvSpPr>
+          <p:nvPr>
+            <p:ph idx="1"/>
+          </p:nvPr>
+        </p:nvSpPr>
+        <p:spPr/>
+        <p:txBody>
+          <a:bodyPr/>
+          <a:lstStyle/>
+          <a:p>
+            <a:pPr marL="457200" lvl="0" indent="-419100">
+              <a:lnSpc>
+                <a:spcPct val="120000"/>
+              </a:lnSpc>
+              <a:spcBef>
+                <a:spcPts val="0"/>
+              </a:spcBef>
+              <a:buClr>
+                <a:srgbClr val="000000"/>
+              </a:buClr>
+              <a:buSzPts val="3000"/>
+              <a:buChar char="●"/>
+            </a:pPr>
+            <a:r>
+              <a:rPr lang="en-US" dirty="0" smtClean="0">
+                <a:solidFill>
+                  <a:srgbClr val="000000"/>
+                </a:solidFill>
+              </a:rPr>
+              <a:t>Art of breaking codes and ciphers</a:t>
+            </a:r>
+            <a:endParaRPr lang="en" dirty="0">
+              <a:solidFill>
+                <a:srgbClr val="000000"/>
+              </a:solidFill>
+            </a:endParaRPr>
+          </a:p>
+          <a:p>
+            <a:endParaRPr lang="en-US" dirty="0"/>
+          </a:p>
+        </p:txBody>
+      </p:sp>
+    </p:spTree>
+    <p:extLst>
+      <p:ext uri="{BB962C8B-B14F-4D97-AF65-F5344CB8AC3E}">
+        <p14:creationId xmlns:p14="http://schemas.microsoft.com/office/powerpoint/2010/main" val="2831014158"/>
+      </p:ext>
+    </p:extLst>
+  </p:cSld>
+  <p:clrMapOvr>
+    <a:masterClrMapping/>
+  </p:clrMapOvr>
+</p:sld>
+</file>
+
+<file path=ppt/slides/slide7.xml><?xml version="1.0" encoding="utf-8"?>
+<p:sld xmlns:a="http://schemas.openxmlformats.org/drawingml/2006/main" xmlns:r="http://schemas.openxmlformats.org/officeDocument/2006/relationships" xmlns:p="http://schemas.openxmlformats.org/presentationml/2006/main">
+  <p:cSld>
+    <p:spTree>
+      <p:nvGrpSpPr>
+        <p:cNvPr id="1" name=""/>
+        <p:cNvGrpSpPr/>
+        <p:nvPr/>
+      </p:nvGrpSpPr>
+      <p:grpSpPr>
+        <a:xfrm>
+          <a:off x="0" y="0"/>
+          <a:ext cx="0" cy="0"/>
+          <a:chOff x="0" y="0"/>
+          <a:chExt cx="0" cy="0"/>
+        </a:xfrm>
+      </p:grpSpPr>
+      <p:sp>
+        <p:nvSpPr>
+          <p:cNvPr id="2" name="Title 1"/>
+          <p:cNvSpPr>
+            <a:spLocks noGrp="1"/>
+          </p:cNvSpPr>
+          <p:nvPr>
+            <p:ph type="title"/>
+          </p:nvPr>
+        </p:nvSpPr>
+        <p:spPr/>
+        <p:txBody>
+          <a:bodyPr/>
+          <a:lstStyle/>
+          <a:p>
+            <a:r>
+              <a:rPr lang="en-US" dirty="0" smtClean="0"/>
+              <a:t>Breaking Caesar </a:t>
+            </a:r>
+            <a:r>
+              <a:rPr lang="en-US" dirty="0"/>
+              <a:t>Cipher</a:t>
+            </a:r>
+            <a:endParaRPr lang="en-US" dirty="0"/>
+          </a:p>
+        </p:txBody>
+      </p:sp>
+      <p:sp>
+        <p:nvSpPr>
+          <p:cNvPr id="3" name="Content Placeholder 2"/>
+          <p:cNvSpPr>
+            <a:spLocks noGrp="1"/>
+          </p:cNvSpPr>
+          <p:nvPr>
+            <p:ph idx="1"/>
+          </p:nvPr>
+        </p:nvSpPr>
+        <p:spPr/>
+        <p:txBody>
+          <a:bodyPr/>
+          <a:lstStyle/>
+          <a:p>
+            <a:pPr marL="457200" lvl="0" indent="-419100">
+              <a:lnSpc>
+                <a:spcPct val="120000"/>
+              </a:lnSpc>
+              <a:spcBef>
+                <a:spcPts val="0"/>
+              </a:spcBef>
+              <a:buClr>
+                <a:srgbClr val="000000"/>
+              </a:buClr>
+              <a:buSzPts val="3000"/>
+              <a:buChar char="●"/>
+            </a:pPr>
+            <a:r>
+              <a:rPr lang="en-US" dirty="0" smtClean="0">
+                <a:solidFill>
+                  <a:srgbClr val="000000"/>
+                </a:solidFill>
+              </a:rPr>
+              <a:t>Why is it easy to break?</a:t>
+            </a:r>
+            <a:endParaRPr lang="en" dirty="0">
+              <a:solidFill>
+                <a:srgbClr val="000000"/>
+              </a:solidFill>
+            </a:endParaRPr>
+          </a:p>
+          <a:p>
+            <a:endParaRPr lang="en-US" dirty="0"/>
+          </a:p>
+        </p:txBody>
+      </p:sp>
+    </p:spTree>
+    <p:extLst>
+      <p:ext uri="{BB962C8B-B14F-4D97-AF65-F5344CB8AC3E}">
+        <p14:creationId xmlns:p14="http://schemas.microsoft.com/office/powerpoint/2010/main" val="2316426123"/>
+      </p:ext>
+    </p:extLst>
+  </p:cSld>
+  <p:clrMapOvr>
+    <a:masterClrMapping/>
+  </p:clrMapOvr>
+</p:sld>
+</file>
+
+<file path=ppt/slides/slide8.xml><?xml version="1.0" encoding="utf-8"?>
+<p:sld xmlns:a="http://schemas.openxmlformats.org/drawingml/2006/main" xmlns:r="http://schemas.openxmlformats.org/officeDocument/2006/relationships" xmlns:p="http://schemas.openxmlformats.org/presentationml/2006/main">
+  <p:cSld>
+    <p:spTree>
+      <p:nvGrpSpPr>
+        <p:cNvPr id="1" name=""/>
+        <p:cNvGrpSpPr/>
+        <p:nvPr/>
+      </p:nvGrpSpPr>
+      <p:grpSpPr>
+        <a:xfrm>
+          <a:off x="0" y="0"/>
+          <a:ext cx="0" cy="0"/>
+          <a:chOff x="0" y="0"/>
+          <a:chExt cx="0" cy="0"/>
+        </a:xfrm>
+      </p:grpSpPr>
+      <p:sp>
+        <p:nvSpPr>
+          <p:cNvPr id="2" name="Title 1"/>
+          <p:cNvSpPr>
+            <a:spLocks noGrp="1"/>
+          </p:cNvSpPr>
+          <p:nvPr>
+            <p:ph type="title"/>
+          </p:nvPr>
+        </p:nvSpPr>
+        <p:spPr/>
+        <p:txBody>
+          <a:bodyPr/>
+          <a:lstStyle/>
+          <a:p>
+            <a:r>
+              <a:rPr lang="en-US" dirty="0"/>
+              <a:t>Breaking Caesar Cipher</a:t>
+            </a:r>
+            <a:endParaRPr lang="en-US" dirty="0"/>
+          </a:p>
+        </p:txBody>
+      </p:sp>
+      <p:sp>
+        <p:nvSpPr>
+          <p:cNvPr id="3" name="Content Placeholder 2"/>
+          <p:cNvSpPr>
+            <a:spLocks noGrp="1"/>
+          </p:cNvSpPr>
+          <p:nvPr>
+            <p:ph idx="1"/>
+          </p:nvPr>
+        </p:nvSpPr>
+        <p:spPr/>
+        <p:txBody>
+          <a:bodyPr/>
+          <a:lstStyle/>
+          <a:p>
+            <a:pPr marL="457200" lvl="0" indent="-419100">
+              <a:lnSpc>
+                <a:spcPct val="120000"/>
+              </a:lnSpc>
+              <a:spcBef>
+                <a:spcPts val="0"/>
+              </a:spcBef>
+              <a:buClr>
+                <a:srgbClr val="000000"/>
+              </a:buClr>
+              <a:buSzPts val="3000"/>
+              <a:buChar char="●"/>
+            </a:pPr>
+            <a:r>
+              <a:rPr lang="en-US" dirty="0" smtClean="0">
+                <a:solidFill>
+                  <a:srgbClr val="000000"/>
+                </a:solidFill>
+              </a:rPr>
+              <a:t>Brute Force</a:t>
+            </a:r>
+          </a:p>
+          <a:p>
+            <a:pPr marL="457200" lvl="0" indent="-419100">
+              <a:lnSpc>
+                <a:spcPct val="120000"/>
+              </a:lnSpc>
+              <a:spcBef>
+                <a:spcPts val="0"/>
+              </a:spcBef>
+              <a:buClr>
+                <a:srgbClr val="000000"/>
+              </a:buClr>
+              <a:buSzPts val="3000"/>
+              <a:buChar char="●"/>
+            </a:pPr>
+            <a:r>
+              <a:rPr lang="en-US" dirty="0" smtClean="0">
+                <a:solidFill>
+                  <a:srgbClr val="000000"/>
+                </a:solidFill>
+              </a:rPr>
+              <a:t>Frequency of words and letters</a:t>
+            </a:r>
+          </a:p>
+          <a:p>
+            <a:pPr marL="457200" lvl="0" indent="-419100">
+              <a:lnSpc>
+                <a:spcPct val="120000"/>
+              </a:lnSpc>
+              <a:spcBef>
+                <a:spcPts val="0"/>
+              </a:spcBef>
+              <a:buClr>
+                <a:srgbClr val="000000"/>
+              </a:buClr>
+              <a:buSzPts val="3000"/>
+              <a:buChar char="●"/>
+            </a:pPr>
+            <a:r>
+              <a:rPr lang="en-US" dirty="0" smtClean="0">
+                <a:solidFill>
+                  <a:srgbClr val="000000"/>
+                </a:solidFill>
+              </a:rPr>
+              <a:t>Others?</a:t>
+            </a:r>
+          </a:p>
+          <a:p>
+            <a:pPr marL="457200" lvl="0" indent="-419100">
+              <a:lnSpc>
+                <a:spcPct val="120000"/>
+              </a:lnSpc>
+              <a:spcBef>
+                <a:spcPts val="0"/>
+              </a:spcBef>
+              <a:buClr>
+                <a:srgbClr val="000000"/>
+              </a:buClr>
+              <a:buSzPts val="3000"/>
+              <a:buChar char="●"/>
+            </a:pPr>
+            <a:endParaRPr lang="en" dirty="0">
+              <a:solidFill>
+                <a:srgbClr val="000000"/>
+              </a:solidFill>
+            </a:endParaRPr>
+          </a:p>
+          <a:p>
+            <a:endParaRPr lang="en-US" dirty="0"/>
+          </a:p>
+        </p:txBody>
+      </p:sp>
+    </p:spTree>
+    <p:extLst>
+      <p:ext uri="{BB962C8B-B14F-4D97-AF65-F5344CB8AC3E}">
+        <p14:creationId xmlns:p14="http://schemas.microsoft.com/office/powerpoint/2010/main" val="2316426123"/>
+      </p:ext>
+    </p:extLst>
+  </p:cSld>
+  <p:clrMapOvr>
+    <a:masterClrMapping/>
+  </p:clrMapOvr>
+</p:sld>
+</file>
+
+<file path=ppt/slides/slide9.xml><?xml version="1.0" encoding="utf-8"?>
+<p:sld xmlns:a="http://schemas.openxmlformats.org/drawingml/2006/main" xmlns:r="http://schemas.openxmlformats.org/officeDocument/2006/relationships" xmlns:p="http://schemas.openxmlformats.org/presentationml/2006/main">
+  <p:cSld>
+    <p:spTree>
+      <p:nvGrpSpPr>
+        <p:cNvPr id="1" name=""/>
+        <p:cNvGrpSpPr/>
+        <p:nvPr/>
+      </p:nvGrpSpPr>
+      <p:grpSpPr>
+        <a:xfrm>
+          <a:off x="0" y="0"/>
+          <a:ext cx="0" cy="0"/>
+          <a:chOff x="0" y="0"/>
+          <a:chExt cx="0" cy="0"/>
+        </a:xfrm>
+      </p:grpSpPr>
+      <p:sp>
+        <p:nvSpPr>
+          <p:cNvPr id="2" name="Title 1"/>
+          <p:cNvSpPr>
+            <a:spLocks noGrp="1"/>
+          </p:cNvSpPr>
+          <p:nvPr>
+            <p:ph type="title"/>
+          </p:nvPr>
+        </p:nvSpPr>
+        <p:spPr/>
+        <p:txBody>
+          <a:bodyPr/>
+          <a:lstStyle/>
+          <a:p>
+            <a:r>
+              <a:rPr lang="en-US" dirty="0" smtClean="0"/>
+              <a:t>XXXX</a:t>
+            </a:r>
+            <a:endParaRPr lang="en-US" dirty="0"/>
+          </a:p>
+        </p:txBody>
+      </p:sp>
+      <p:sp>
+        <p:nvSpPr>
+          <p:cNvPr id="3" name="Content Placeholder 2"/>
+          <p:cNvSpPr>
+            <a:spLocks noGrp="1"/>
+          </p:cNvSpPr>
+          <p:nvPr>
+            <p:ph idx="1"/>
+          </p:nvPr>
+        </p:nvSpPr>
+        <p:spPr/>
+        <p:txBody>
+          <a:bodyPr/>
+          <a:lstStyle/>
+          <a:p>
+            <a:pPr marL="457200" lvl="0" indent="-419100">
+              <a:lnSpc>
+                <a:spcPct val="120000"/>
+              </a:lnSpc>
+              <a:spcBef>
+                <a:spcPts val="0"/>
+              </a:spcBef>
+              <a:buClr>
+                <a:srgbClr val="000000"/>
+              </a:buClr>
+              <a:buSzPts val="3000"/>
+              <a:buChar char="●"/>
+            </a:pPr>
+            <a:r>
+              <a:rPr lang="en-US" dirty="0" smtClean="0">
+                <a:solidFill>
+                  <a:srgbClr val="000000"/>
+                </a:solidFill>
+              </a:rPr>
+              <a:t>XXXX</a:t>
+            </a:r>
+            <a:endParaRPr lang="en" dirty="0">
+              <a:solidFill>
+                <a:srgbClr val="000000"/>
+              </a:solidFill>
+            </a:endParaRPr>
+          </a:p>
+          <a:p>
+            <a:endParaRPr lang="en-US" dirty="0"/>
+          </a:p>
+        </p:txBody>
+      </p:sp>
+    </p:spTree>
+    <p:extLst>
+      <p:ext uri="{BB962C8B-B14F-4D97-AF65-F5344CB8AC3E}">
+        <p14:creationId xmlns:p14="http://schemas.microsoft.com/office/powerpoint/2010/main" val="558844820"/>
       </p:ext>
     </p:extLst>
   </p:cSld>

--- a/Vulnerabilities/ProperEncyption/ProperEncryption.pptx
+++ b/Vulnerabilities/ProperEncyption/ProperEncryption.pptx
@@ -7,25 +7,19 @@
   <p:sldIdLst>
     <p:sldId id="256" r:id="rId2"/>
     <p:sldId id="280" r:id="rId3"/>
-    <p:sldId id="283" r:id="rId4"/>
-    <p:sldId id="284" r:id="rId5"/>
-    <p:sldId id="289" r:id="rId6"/>
-    <p:sldId id="293" r:id="rId7"/>
-    <p:sldId id="290" r:id="rId8"/>
-    <p:sldId id="291" r:id="rId9"/>
-    <p:sldId id="295" r:id="rId10"/>
-    <p:sldId id="294" r:id="rId11"/>
-    <p:sldId id="281" r:id="rId12"/>
-    <p:sldId id="282" r:id="rId13"/>
-    <p:sldId id="288" r:id="rId14"/>
-    <p:sldId id="292" r:id="rId15"/>
-    <p:sldId id="297" r:id="rId16"/>
-    <p:sldId id="298" r:id="rId17"/>
-    <p:sldId id="299" r:id="rId18"/>
-    <p:sldId id="285" r:id="rId19"/>
-    <p:sldId id="296" r:id="rId20"/>
-    <p:sldId id="286" r:id="rId21"/>
-    <p:sldId id="263" r:id="rId22"/>
+    <p:sldId id="281" r:id="rId4"/>
+    <p:sldId id="282" r:id="rId5"/>
+    <p:sldId id="288" r:id="rId6"/>
+    <p:sldId id="283" r:id="rId7"/>
+    <p:sldId id="284" r:id="rId8"/>
+    <p:sldId id="289" r:id="rId9"/>
+    <p:sldId id="293" r:id="rId10"/>
+    <p:sldId id="290" r:id="rId11"/>
+    <p:sldId id="291" r:id="rId12"/>
+    <p:sldId id="294" r:id="rId13"/>
+    <p:sldId id="296" r:id="rId14"/>
+    <p:sldId id="286" r:id="rId15"/>
+    <p:sldId id="263" r:id="rId16"/>
   </p:sldIdLst>
   <p:sldSz cx="12192000" cy="6858000"/>
   <p:notesSz cx="6858000" cy="9144000"/>
@@ -126,7 +120,7 @@
   </p:defaultTextStyle>
   <p:extLst>
     <p:ext uri="{EFAFB233-063F-42B5-8137-9DF3F51BA10A}">
-      <p15:sldGuideLst xmlns="" xmlns:p15="http://schemas.microsoft.com/office/powerpoint/2012/main">
+      <p15:sldGuideLst xmlns:p15="http://schemas.microsoft.com/office/powerpoint/2012/main" xmlns="">
         <p15:guide id="1" orient="horz" pos="2160">
           <p15:clr>
             <a:srgbClr val="A4A3A4"/>
@@ -276,7 +270,7 @@
           <a:p>
             <a:fld id="{D1C5A854-3A0C-43B7-AE6D-AB817FE73E17}" type="datetimeFigureOut">
               <a:rPr lang="en-US" smtClean="0"/>
-              <a:t>7/13/18</a:t>
+              <a:t>7/16/18</a:t>
             </a:fld>
             <a:endParaRPr lang="en-US"/>
           </a:p>
@@ -444,7 +438,7 @@
           <a:p>
             <a:fld id="{D1C5A854-3A0C-43B7-AE6D-AB817FE73E17}" type="datetimeFigureOut">
               <a:rPr lang="en-US" smtClean="0"/>
-              <a:t>7/13/18</a:t>
+              <a:t>7/16/18</a:t>
             </a:fld>
             <a:endParaRPr lang="en-US"/>
           </a:p>
@@ -622,7 +616,7 @@
           <a:p>
             <a:fld id="{D1C5A854-3A0C-43B7-AE6D-AB817FE73E17}" type="datetimeFigureOut">
               <a:rPr lang="en-US" smtClean="0"/>
-              <a:t>7/13/18</a:t>
+              <a:t>7/16/18</a:t>
             </a:fld>
             <a:endParaRPr lang="en-US"/>
           </a:p>
@@ -1126,7 +1120,7 @@
           <a:p>
             <a:fld id="{D1C5A854-3A0C-43B7-AE6D-AB817FE73E17}" type="datetimeFigureOut">
               <a:rPr lang="en-US" smtClean="0"/>
-              <a:t>7/13/18</a:t>
+              <a:t>7/16/18</a:t>
             </a:fld>
             <a:endParaRPr lang="en-US"/>
           </a:p>
@@ -1355,7 +1349,7 @@
           <a:p>
             <a:fld id="{D1C5A854-3A0C-43B7-AE6D-AB817FE73E17}" type="datetimeFigureOut">
               <a:rPr lang="en-US" smtClean="0"/>
-              <a:t>7/13/18</a:t>
+              <a:t>7/16/18</a:t>
             </a:fld>
             <a:endParaRPr lang="en-US"/>
           </a:p>
@@ -1719,7 +1713,7 @@
           <a:p>
             <a:fld id="{D1C5A854-3A0C-43B7-AE6D-AB817FE73E17}" type="datetimeFigureOut">
               <a:rPr lang="en-US" smtClean="0"/>
-              <a:t>7/13/18</a:t>
+              <a:t>7/16/18</a:t>
             </a:fld>
             <a:endParaRPr lang="en-US"/>
           </a:p>
@@ -1836,7 +1830,7 @@
           <a:p>
             <a:fld id="{D1C5A854-3A0C-43B7-AE6D-AB817FE73E17}" type="datetimeFigureOut">
               <a:rPr lang="en-US" smtClean="0"/>
-              <a:t>7/13/18</a:t>
+              <a:t>7/16/18</a:t>
             </a:fld>
             <a:endParaRPr lang="en-US"/>
           </a:p>
@@ -1931,7 +1925,7 @@
           <a:p>
             <a:fld id="{D1C5A854-3A0C-43B7-AE6D-AB817FE73E17}" type="datetimeFigureOut">
               <a:rPr lang="en-US" smtClean="0"/>
-              <a:t>7/13/18</a:t>
+              <a:t>7/16/18</a:t>
             </a:fld>
             <a:endParaRPr lang="en-US"/>
           </a:p>
@@ -2206,7 +2200,7 @@
           <a:p>
             <a:fld id="{D1C5A854-3A0C-43B7-AE6D-AB817FE73E17}" type="datetimeFigureOut">
               <a:rPr lang="en-US" smtClean="0"/>
-              <a:t>7/13/18</a:t>
+              <a:t>7/16/18</a:t>
             </a:fld>
             <a:endParaRPr lang="en-US"/>
           </a:p>
@@ -2458,7 +2452,7 @@
           <a:p>
             <a:fld id="{D1C5A854-3A0C-43B7-AE6D-AB817FE73E17}" type="datetimeFigureOut">
               <a:rPr lang="en-US" smtClean="0"/>
-              <a:t>7/13/18</a:t>
+              <a:t>7/16/18</a:t>
             </a:fld>
             <a:endParaRPr lang="en-US"/>
           </a:p>
@@ -2669,7 +2663,7 @@
           <a:p>
             <a:fld id="{D1C5A854-3A0C-43B7-AE6D-AB817FE73E17}" type="datetimeFigureOut">
               <a:rPr lang="en-US" smtClean="0"/>
-              <a:t>7/13/18</a:t>
+              <a:t>7/16/18</a:t>
             </a:fld>
             <a:endParaRPr lang="en-US"/>
           </a:p>
@@ -3174,9 +3168,12 @@
           <a:p>
             <a:r>
               <a:rPr lang="en-US" dirty="0" smtClean="0"/>
-              <a:t>Stronger Methods</a:t>
-            </a:r>
-            <a:endParaRPr lang="en-US" dirty="0"/>
+              <a:t>Breaking Caesar </a:t>
+            </a:r>
+            <a:r>
+              <a:rPr lang="en-US" dirty="0"/>
+              <a:t>Cipher</a:t>
+            </a:r>
           </a:p>
         </p:txBody>
       </p:sp>
@@ -3214,7 +3211,7 @@
                   <a:srgbClr val="000000"/>
                 </a:solidFill>
               </a:rPr>
-              <a:t>XXXX</a:t>
+              <a:t>Why is it easy to break?</a:t>
             </a:r>
             <a:endParaRPr lang="en" dirty="0">
               <a:solidFill>
@@ -3230,7 +3227,7 @@
     </p:spTree>
     <p:extLst>
       <p:ext uri="{BB962C8B-B14F-4D97-AF65-F5344CB8AC3E}">
-        <p14:creationId xmlns:p14="http://schemas.microsoft.com/office/powerpoint/2010/main" val="2831014158"/>
+        <p14:creationId xmlns:p14="http://schemas.microsoft.com/office/powerpoint/2010/main" val="2316426123"/>
       </p:ext>
     </p:extLst>
   </p:cSld>
@@ -3273,10 +3270,9 @@
           <a:lstStyle/>
           <a:p>
             <a:r>
-              <a:rPr lang="en-US" dirty="0" smtClean="0"/>
-              <a:t>Two Common Forms</a:t>
-            </a:r>
-            <a:endParaRPr lang="en-US" dirty="0"/>
+              <a:rPr lang="en-US" dirty="0"/>
+              <a:t>Breaking Caesar Cipher</a:t>
+            </a:r>
           </a:p>
         </p:txBody>
       </p:sp>
@@ -3314,7 +3310,7 @@
                   <a:srgbClr val="000000"/>
                 </a:solidFill>
               </a:rPr>
-              <a:t>Symmetric</a:t>
+              <a:t>Brute Force</a:t>
             </a:r>
           </a:p>
           <a:p>
@@ -3337,7 +3333,619 @@
                   <a:srgbClr val="000000"/>
                 </a:solidFill>
               </a:rPr>
+              <a:t>Frequency of words and letters</a:t>
+            </a:r>
+          </a:p>
+          <a:p>
+            <a:pPr marL="457200" lvl="0" indent="-419100">
+              <a:lnSpc>
+                <a:spcPct val="120000"/>
+              </a:lnSpc>
+              <a:spcBef>
+                <a:spcPts val="0"/>
+              </a:spcBef>
+              <a:buClr>
+                <a:srgbClr val="000000"/>
+              </a:buClr>
+              <a:buSzPts val="3000"/>
+              <a:buChar char="●"/>
+            </a:pPr>
+            <a:r>
+              <a:rPr lang="en-US" dirty="0" smtClean="0">
+                <a:solidFill>
+                  <a:srgbClr val="000000"/>
+                </a:solidFill>
+              </a:rPr>
+              <a:t>Others?</a:t>
+            </a:r>
+          </a:p>
+          <a:p>
+            <a:pPr marL="457200" lvl="0" indent="-419100">
+              <a:lnSpc>
+                <a:spcPct val="120000"/>
+              </a:lnSpc>
+              <a:spcBef>
+                <a:spcPts val="0"/>
+              </a:spcBef>
+              <a:buClr>
+                <a:srgbClr val="000000"/>
+              </a:buClr>
+              <a:buSzPts val="3000"/>
+              <a:buChar char="●"/>
+            </a:pPr>
+            <a:endParaRPr lang="en" dirty="0">
+              <a:solidFill>
+                <a:srgbClr val="000000"/>
+              </a:solidFill>
+            </a:endParaRPr>
+          </a:p>
+          <a:p>
+            <a:endParaRPr lang="en-US" dirty="0"/>
+          </a:p>
+        </p:txBody>
+      </p:sp>
+    </p:spTree>
+    <p:extLst>
+      <p:ext uri="{BB962C8B-B14F-4D97-AF65-F5344CB8AC3E}">
+        <p14:creationId xmlns:p14="http://schemas.microsoft.com/office/powerpoint/2010/main" val="2316426123"/>
+      </p:ext>
+    </p:extLst>
+  </p:cSld>
+  <p:clrMapOvr>
+    <a:masterClrMapping/>
+  </p:clrMapOvr>
+</p:sld>
+</file>
+
+<file path=ppt/slides/slide12.xml><?xml version="1.0" encoding="utf-8"?>
+<p:sld xmlns:a="http://schemas.openxmlformats.org/drawingml/2006/main" xmlns:r="http://schemas.openxmlformats.org/officeDocument/2006/relationships" xmlns:p="http://schemas.openxmlformats.org/presentationml/2006/main">
+  <p:cSld>
+    <p:spTree>
+      <p:nvGrpSpPr>
+        <p:cNvPr id="1" name=""/>
+        <p:cNvGrpSpPr/>
+        <p:nvPr/>
+      </p:nvGrpSpPr>
+      <p:grpSpPr>
+        <a:xfrm>
+          <a:off x="0" y="0"/>
+          <a:ext cx="0" cy="0"/>
+          <a:chOff x="0" y="0"/>
+          <a:chExt cx="0" cy="0"/>
+        </a:xfrm>
+      </p:grpSpPr>
+      <p:sp>
+        <p:nvSpPr>
+          <p:cNvPr id="2" name="Title 1"/>
+          <p:cNvSpPr>
+            <a:spLocks noGrp="1"/>
+          </p:cNvSpPr>
+          <p:nvPr>
+            <p:ph type="title"/>
+          </p:nvPr>
+        </p:nvSpPr>
+        <p:spPr/>
+        <p:txBody>
+          <a:bodyPr/>
+          <a:lstStyle/>
+          <a:p>
+            <a:r>
+              <a:rPr lang="en-US" dirty="0" smtClean="0"/>
+              <a:t>Stronger Methods</a:t>
+            </a:r>
+            <a:endParaRPr lang="en-US" dirty="0"/>
+          </a:p>
+        </p:txBody>
+      </p:sp>
+      <p:sp>
+        <p:nvSpPr>
+          <p:cNvPr id="3" name="Content Placeholder 2"/>
+          <p:cNvSpPr>
+            <a:spLocks noGrp="1"/>
+          </p:cNvSpPr>
+          <p:nvPr>
+            <p:ph idx="1"/>
+          </p:nvPr>
+        </p:nvSpPr>
+        <p:spPr/>
+        <p:txBody>
+          <a:bodyPr/>
+          <a:lstStyle/>
+          <a:p>
+            <a:pPr marL="457200" lvl="0" indent="-419100">
+              <a:lnSpc>
+                <a:spcPct val="120000"/>
+              </a:lnSpc>
+              <a:spcBef>
+                <a:spcPts val="0"/>
+              </a:spcBef>
+              <a:buClr>
+                <a:srgbClr val="000000"/>
+              </a:buClr>
+              <a:buSzPts val="3000"/>
+              <a:buChar char="●"/>
+            </a:pPr>
+            <a:r>
+              <a:rPr lang="en-US" dirty="0" err="1" smtClean="0">
+                <a:solidFill>
+                  <a:srgbClr val="000000"/>
+                </a:solidFill>
+              </a:rPr>
+              <a:t>Playfair</a:t>
+            </a:r>
+            <a:endParaRPr lang="en-US" dirty="0" smtClean="0">
+              <a:solidFill>
+                <a:srgbClr val="000000"/>
+              </a:solidFill>
+            </a:endParaRPr>
+          </a:p>
+          <a:p>
+            <a:pPr marL="914400" lvl="1" indent="-419100">
+              <a:lnSpc>
+                <a:spcPct val="120000"/>
+              </a:lnSpc>
+              <a:spcBef>
+                <a:spcPts val="0"/>
+              </a:spcBef>
+              <a:buClr>
+                <a:srgbClr val="000000"/>
+              </a:buClr>
+              <a:buSzPts val="3000"/>
+              <a:buChar char="●"/>
+            </a:pPr>
+            <a:r>
+              <a:rPr lang="en-US" dirty="0" smtClean="0">
+                <a:solidFill>
+                  <a:srgbClr val="000000"/>
+                </a:solidFill>
+              </a:rPr>
+              <a:t>Stronger </a:t>
+            </a:r>
+            <a:r>
+              <a:rPr lang="en-US" smtClean="0">
+                <a:solidFill>
+                  <a:srgbClr val="000000"/>
+                </a:solidFill>
+              </a:rPr>
+              <a:t>but very breakable</a:t>
+            </a:r>
+            <a:endParaRPr lang="en-US" dirty="0" smtClean="0">
+              <a:solidFill>
+                <a:srgbClr val="000000"/>
+              </a:solidFill>
+            </a:endParaRPr>
+          </a:p>
+          <a:p>
+            <a:pPr marL="457200" lvl="0" indent="-419100">
+              <a:lnSpc>
+                <a:spcPct val="120000"/>
+              </a:lnSpc>
+              <a:spcBef>
+                <a:spcPts val="0"/>
+              </a:spcBef>
+              <a:buClr>
+                <a:srgbClr val="000000"/>
+              </a:buClr>
+              <a:buSzPts val="3000"/>
+              <a:buChar char="●"/>
+            </a:pPr>
+            <a:r>
+              <a:rPr lang="en-US" dirty="0" smtClean="0">
+                <a:solidFill>
+                  <a:srgbClr val="000000"/>
+                </a:solidFill>
+              </a:rPr>
+              <a:t>AES</a:t>
+            </a:r>
+            <a:endParaRPr lang="en-US" dirty="0" smtClean="0">
+              <a:solidFill>
+                <a:srgbClr val="000000"/>
+              </a:solidFill>
+            </a:endParaRPr>
+          </a:p>
+          <a:p>
+            <a:pPr marL="914400" lvl="1" indent="-419100">
+              <a:lnSpc>
+                <a:spcPct val="120000"/>
+              </a:lnSpc>
+              <a:spcBef>
+                <a:spcPts val="0"/>
+              </a:spcBef>
+              <a:buClr>
+                <a:srgbClr val="000000"/>
+              </a:buClr>
+              <a:buSzPts val="3000"/>
+              <a:buChar char="●"/>
+            </a:pPr>
+            <a:r>
+              <a:rPr lang="en-US" dirty="0" smtClean="0">
+                <a:solidFill>
+                  <a:srgbClr val="000000"/>
+                </a:solidFill>
+              </a:rPr>
+              <a:t>Largely the standard</a:t>
+            </a:r>
+            <a:endParaRPr lang="en" dirty="0">
+              <a:solidFill>
+                <a:srgbClr val="000000"/>
+              </a:solidFill>
+            </a:endParaRPr>
+          </a:p>
+          <a:p>
+            <a:endParaRPr lang="en-US" dirty="0"/>
+          </a:p>
+        </p:txBody>
+      </p:sp>
+    </p:spTree>
+    <p:extLst>
+      <p:ext uri="{BB962C8B-B14F-4D97-AF65-F5344CB8AC3E}">
+        <p14:creationId xmlns:p14="http://schemas.microsoft.com/office/powerpoint/2010/main" val="2831014158"/>
+      </p:ext>
+    </p:extLst>
+  </p:cSld>
+  <p:clrMapOvr>
+    <a:masterClrMapping/>
+  </p:clrMapOvr>
+</p:sld>
+</file>
+
+<file path=ppt/slides/slide13.xml><?xml version="1.0" encoding="utf-8"?>
+<p:sld xmlns:a="http://schemas.openxmlformats.org/drawingml/2006/main" xmlns:r="http://schemas.openxmlformats.org/officeDocument/2006/relationships" xmlns:p="http://schemas.openxmlformats.org/presentationml/2006/main">
+  <p:cSld>
+    <p:spTree>
+      <p:nvGrpSpPr>
+        <p:cNvPr id="1" name=""/>
+        <p:cNvGrpSpPr/>
+        <p:nvPr/>
+      </p:nvGrpSpPr>
+      <p:grpSpPr>
+        <a:xfrm>
+          <a:off x="0" y="0"/>
+          <a:ext cx="0" cy="0"/>
+          <a:chOff x="0" y="0"/>
+          <a:chExt cx="0" cy="0"/>
+        </a:xfrm>
+      </p:grpSpPr>
+      <p:sp>
+        <p:nvSpPr>
+          <p:cNvPr id="2" name="Title 1"/>
+          <p:cNvSpPr>
+            <a:spLocks noGrp="1"/>
+          </p:cNvSpPr>
+          <p:nvPr>
+            <p:ph type="title"/>
+          </p:nvPr>
+        </p:nvSpPr>
+        <p:spPr/>
+        <p:txBody>
+          <a:bodyPr/>
+          <a:lstStyle/>
+          <a:p>
+            <a:r>
+              <a:rPr lang="en-US" dirty="0" smtClean="0"/>
+              <a:t>Recap</a:t>
+            </a:r>
+            <a:endParaRPr lang="en-US" dirty="0"/>
+          </a:p>
+        </p:txBody>
+      </p:sp>
+      <p:sp>
+        <p:nvSpPr>
+          <p:cNvPr id="3" name="Content Placeholder 2"/>
+          <p:cNvSpPr>
+            <a:spLocks noGrp="1"/>
+          </p:cNvSpPr>
+          <p:nvPr>
+            <p:ph idx="1"/>
+          </p:nvPr>
+        </p:nvSpPr>
+        <p:spPr/>
+        <p:txBody>
+          <a:bodyPr/>
+          <a:lstStyle/>
+          <a:p>
+            <a:pPr marL="457200" lvl="0" indent="-419100">
+              <a:lnSpc>
+                <a:spcPct val="120000"/>
+              </a:lnSpc>
+              <a:spcBef>
+                <a:spcPts val="0"/>
+              </a:spcBef>
+              <a:buClr>
+                <a:srgbClr val="000000"/>
+              </a:buClr>
+              <a:buSzPts val="3000"/>
+              <a:buChar char="●"/>
+            </a:pPr>
+            <a:r>
+              <a:rPr lang="en-US" dirty="0" smtClean="0">
+                <a:solidFill>
+                  <a:srgbClr val="000000"/>
+                </a:solidFill>
+              </a:rPr>
+              <a:t>Which form of encryption uses the same key? </a:t>
+            </a:r>
+            <a:r>
+              <a:rPr lang="en-US" dirty="0" smtClean="0">
+                <a:solidFill>
+                  <a:srgbClr val="FF0000"/>
+                </a:solidFill>
+              </a:rPr>
+              <a:t>Symmetric</a:t>
+            </a:r>
+          </a:p>
+          <a:p>
+            <a:pPr marL="457200" indent="-419100">
+              <a:lnSpc>
+                <a:spcPct val="120000"/>
+              </a:lnSpc>
+              <a:spcBef>
+                <a:spcPts val="0"/>
+              </a:spcBef>
+              <a:buClr>
+                <a:srgbClr val="000000"/>
+              </a:buClr>
+              <a:buSzPts val="3000"/>
+              <a:buFont typeface="Arial" panose="020B0604020202020204" pitchFamily="34" charset="0"/>
+              <a:buChar char="●"/>
+            </a:pPr>
+            <a:r>
+              <a:rPr lang="en-US" dirty="0">
+                <a:solidFill>
+                  <a:srgbClr val="000000"/>
+                </a:solidFill>
+              </a:rPr>
+              <a:t>Which form of encryption uses </a:t>
+            </a:r>
+            <a:r>
+              <a:rPr lang="en-US" dirty="0" smtClean="0">
+                <a:solidFill>
+                  <a:srgbClr val="000000"/>
+                </a:solidFill>
+              </a:rPr>
+              <a:t>a different </a:t>
+            </a:r>
+            <a:r>
+              <a:rPr lang="en-US" dirty="0">
+                <a:solidFill>
+                  <a:srgbClr val="000000"/>
+                </a:solidFill>
+              </a:rPr>
+              <a:t>key</a:t>
+            </a:r>
+            <a:r>
+              <a:rPr lang="en-US" dirty="0" smtClean="0">
+                <a:solidFill>
+                  <a:srgbClr val="000000"/>
+                </a:solidFill>
+              </a:rPr>
+              <a:t>? </a:t>
+            </a:r>
+            <a:r>
+              <a:rPr lang="en-US" dirty="0" smtClean="0">
+                <a:solidFill>
+                  <a:srgbClr val="FF0000"/>
+                </a:solidFill>
+              </a:rPr>
               <a:t>Asymmetric</a:t>
+            </a:r>
+          </a:p>
+          <a:p>
+            <a:pPr marL="457200" indent="-419100">
+              <a:lnSpc>
+                <a:spcPct val="120000"/>
+              </a:lnSpc>
+              <a:spcBef>
+                <a:spcPts val="0"/>
+              </a:spcBef>
+              <a:buClr>
+                <a:srgbClr val="000000"/>
+              </a:buClr>
+              <a:buSzPts val="3000"/>
+              <a:buFont typeface="Arial" panose="020B0604020202020204" pitchFamily="34" charset="0"/>
+              <a:buChar char="●"/>
+            </a:pPr>
+            <a:r>
+              <a:rPr lang="en-US" dirty="0" smtClean="0">
+                <a:solidFill>
+                  <a:srgbClr val="000000"/>
+                </a:solidFill>
+              </a:rPr>
+              <a:t>What are some forms of “defeating” cryptography? </a:t>
+            </a:r>
+            <a:r>
+              <a:rPr lang="en-US" dirty="0" smtClean="0">
+                <a:solidFill>
+                  <a:srgbClr val="FF0000"/>
+                </a:solidFill>
+              </a:rPr>
+              <a:t>Brute force, common word</a:t>
+            </a:r>
+            <a:endParaRPr lang="en-US" dirty="0">
+              <a:solidFill>
+                <a:srgbClr val="FF0000"/>
+              </a:solidFill>
+            </a:endParaRPr>
+          </a:p>
+          <a:p>
+            <a:pPr marL="457200" lvl="0" indent="-419100">
+              <a:lnSpc>
+                <a:spcPct val="120000"/>
+              </a:lnSpc>
+              <a:spcBef>
+                <a:spcPts val="0"/>
+              </a:spcBef>
+              <a:buClr>
+                <a:srgbClr val="000000"/>
+              </a:buClr>
+              <a:buSzPts val="3000"/>
+              <a:buChar char="●"/>
+            </a:pPr>
+            <a:endParaRPr lang="en-US" dirty="0" smtClean="0">
+              <a:solidFill>
+                <a:srgbClr val="000000"/>
+              </a:solidFill>
+            </a:endParaRPr>
+          </a:p>
+          <a:p>
+            <a:pPr marL="457200" lvl="0" indent="-419100">
+              <a:lnSpc>
+                <a:spcPct val="120000"/>
+              </a:lnSpc>
+              <a:spcBef>
+                <a:spcPts val="0"/>
+              </a:spcBef>
+              <a:buClr>
+                <a:srgbClr val="000000"/>
+              </a:buClr>
+              <a:buSzPts val="3000"/>
+              <a:buChar char="●"/>
+            </a:pPr>
+            <a:endParaRPr lang="en" dirty="0">
+              <a:solidFill>
+                <a:srgbClr val="000000"/>
+              </a:solidFill>
+            </a:endParaRPr>
+          </a:p>
+          <a:p>
+            <a:endParaRPr lang="en-US" dirty="0"/>
+          </a:p>
+        </p:txBody>
+      </p:sp>
+    </p:spTree>
+    <p:extLst>
+      <p:ext uri="{BB962C8B-B14F-4D97-AF65-F5344CB8AC3E}">
+        <p14:creationId xmlns:p14="http://schemas.microsoft.com/office/powerpoint/2010/main" val="1740885515"/>
+      </p:ext>
+    </p:extLst>
+  </p:cSld>
+  <p:clrMapOvr>
+    <a:masterClrMapping/>
+  </p:clrMapOvr>
+</p:sld>
+</file>
+
+<file path=ppt/slides/slide14.xml><?xml version="1.0" encoding="utf-8"?>
+<p:sld xmlns:a="http://schemas.openxmlformats.org/drawingml/2006/main" xmlns:r="http://schemas.openxmlformats.org/officeDocument/2006/relationships" xmlns:p="http://schemas.openxmlformats.org/presentationml/2006/main">
+  <p:cSld>
+    <p:spTree>
+      <p:nvGrpSpPr>
+        <p:cNvPr id="1" name=""/>
+        <p:cNvGrpSpPr/>
+        <p:nvPr/>
+      </p:nvGrpSpPr>
+      <p:grpSpPr>
+        <a:xfrm>
+          <a:off x="0" y="0"/>
+          <a:ext cx="0" cy="0"/>
+          <a:chOff x="0" y="0"/>
+          <a:chExt cx="0" cy="0"/>
+        </a:xfrm>
+      </p:grpSpPr>
+      <p:sp>
+        <p:nvSpPr>
+          <p:cNvPr id="2" name="Title 1"/>
+          <p:cNvSpPr>
+            <a:spLocks noGrp="1"/>
+          </p:cNvSpPr>
+          <p:nvPr>
+            <p:ph type="title"/>
+          </p:nvPr>
+        </p:nvSpPr>
+        <p:spPr/>
+        <p:txBody>
+          <a:bodyPr/>
+          <a:lstStyle/>
+          <a:p>
+            <a:r>
+              <a:rPr lang="en-US" dirty="0" smtClean="0"/>
+              <a:t>Activity</a:t>
+            </a:r>
+            <a:endParaRPr lang="en-US" dirty="0"/>
+          </a:p>
+        </p:txBody>
+      </p:sp>
+      <p:sp>
+        <p:nvSpPr>
+          <p:cNvPr id="3" name="Content Placeholder 2"/>
+          <p:cNvSpPr>
+            <a:spLocks noGrp="1"/>
+          </p:cNvSpPr>
+          <p:nvPr>
+            <p:ph idx="1"/>
+          </p:nvPr>
+        </p:nvSpPr>
+        <p:spPr/>
+        <p:txBody>
+          <a:bodyPr/>
+          <a:lstStyle/>
+          <a:p>
+            <a:pPr marL="457200" lvl="0" indent="-419100">
+              <a:lnSpc>
+                <a:spcPct val="120000"/>
+              </a:lnSpc>
+              <a:spcBef>
+                <a:spcPts val="0"/>
+              </a:spcBef>
+              <a:buClr>
+                <a:srgbClr val="000000"/>
+              </a:buClr>
+              <a:buSzPts val="3000"/>
+              <a:buChar char="●"/>
+            </a:pPr>
+            <a:r>
+              <a:rPr lang="en-US" dirty="0" smtClean="0">
+                <a:solidFill>
+                  <a:srgbClr val="000000"/>
+                </a:solidFill>
+              </a:rPr>
+              <a:t>Implement several forms of cryptography</a:t>
+            </a:r>
+          </a:p>
+          <a:p>
+            <a:pPr marL="457200" lvl="0" indent="-419100">
+              <a:lnSpc>
+                <a:spcPct val="120000"/>
+              </a:lnSpc>
+              <a:spcBef>
+                <a:spcPts val="0"/>
+              </a:spcBef>
+              <a:buClr>
+                <a:srgbClr val="000000"/>
+              </a:buClr>
+              <a:buSzPts val="3000"/>
+              <a:buChar char="●"/>
+            </a:pPr>
+            <a:r>
+              <a:rPr lang="en-US" dirty="0" smtClean="0">
+                <a:solidFill>
+                  <a:srgbClr val="000000"/>
+                </a:solidFill>
+              </a:rPr>
+              <a:t>See why cryptography is necessary</a:t>
+            </a:r>
+          </a:p>
+          <a:p>
+            <a:pPr marL="457200" lvl="0" indent="-419100">
+              <a:lnSpc>
+                <a:spcPct val="120000"/>
+              </a:lnSpc>
+              <a:spcBef>
+                <a:spcPts val="0"/>
+              </a:spcBef>
+              <a:buClr>
+                <a:srgbClr val="000000"/>
+              </a:buClr>
+              <a:buSzPts val="3000"/>
+              <a:buChar char="●"/>
+            </a:pPr>
+            <a:r>
+              <a:rPr lang="en-US" dirty="0" smtClean="0">
+                <a:solidFill>
+                  <a:srgbClr val="000000"/>
+                </a:solidFill>
+              </a:rPr>
+              <a:t>Break the forms of cryptography</a:t>
             </a:r>
             <a:endParaRPr lang="en" dirty="0">
               <a:solidFill>
@@ -3363,7 +3971,313 @@
 </p:sld>
 </file>
 
-<file path=ppt/slides/slide12.xml><?xml version="1.0" encoding="utf-8"?>
+<file path=ppt/slides/slide15.xml><?xml version="1.0" encoding="utf-8"?>
+<p:sld xmlns:a="http://schemas.openxmlformats.org/drawingml/2006/main" xmlns:r="http://schemas.openxmlformats.org/officeDocument/2006/relationships" xmlns:p="http://schemas.openxmlformats.org/presentationml/2006/main">
+  <p:cSld>
+    <p:spTree>
+      <p:nvGrpSpPr>
+        <p:cNvPr id="1" name=""/>
+        <p:cNvGrpSpPr/>
+        <p:nvPr/>
+      </p:nvGrpSpPr>
+      <p:grpSpPr>
+        <a:xfrm>
+          <a:off x="0" y="0"/>
+          <a:ext cx="0" cy="0"/>
+          <a:chOff x="0" y="0"/>
+          <a:chExt cx="0" cy="0"/>
+        </a:xfrm>
+      </p:grpSpPr>
+      <p:sp>
+        <p:nvSpPr>
+          <p:cNvPr id="2" name="Title 1"/>
+          <p:cNvSpPr>
+            <a:spLocks noGrp="1"/>
+          </p:cNvSpPr>
+          <p:nvPr>
+            <p:ph type="title"/>
+          </p:nvPr>
+        </p:nvSpPr>
+        <p:spPr/>
+        <p:txBody>
+          <a:bodyPr/>
+          <a:lstStyle/>
+          <a:p>
+            <a:r>
+              <a:rPr lang="en-US" dirty="0" smtClean="0"/>
+              <a:t>Questions?</a:t>
+            </a:r>
+            <a:endParaRPr lang="en-US" dirty="0"/>
+          </a:p>
+        </p:txBody>
+      </p:sp>
+      <p:pic>
+        <p:nvPicPr>
+          <p:cNvPr id="4" name="Picture 3" descr="question-mark-787608.jpg"/>
+          <p:cNvPicPr>
+            <a:picLocks noChangeAspect="1"/>
+          </p:cNvPicPr>
+          <p:nvPr/>
+        </p:nvPicPr>
+        <p:blipFill>
+          <a:blip r:embed="rId2">
+            <a:extLst>
+              <a:ext uri="{28A0092B-C50C-407E-A947-70E740481C1C}">
+                <a14:useLocalDpi xmlns:a14="http://schemas.microsoft.com/office/drawing/2010/main" val="0"/>
+              </a:ext>
+            </a:extLst>
+          </a:blip>
+          <a:stretch>
+            <a:fillRect/>
+          </a:stretch>
+        </p:blipFill>
+        <p:spPr>
+          <a:xfrm>
+            <a:off x="3261130" y="1942452"/>
+            <a:ext cx="4586270" cy="4586270"/>
+          </a:xfrm>
+          <a:prstGeom prst="rect">
+            <a:avLst/>
+          </a:prstGeom>
+        </p:spPr>
+      </p:pic>
+    </p:spTree>
+    <p:extLst>
+      <p:ext uri="{BB962C8B-B14F-4D97-AF65-F5344CB8AC3E}">
+        <p14:creationId xmlns:p14="http://schemas.microsoft.com/office/powerpoint/2010/main" val="409215213"/>
+      </p:ext>
+    </p:extLst>
+  </p:cSld>
+  <p:clrMapOvr>
+    <a:masterClrMapping/>
+  </p:clrMapOvr>
+</p:sld>
+</file>
+
+<file path=ppt/slides/slide2.xml><?xml version="1.0" encoding="utf-8"?>
+<p:sld xmlns:a="http://schemas.openxmlformats.org/drawingml/2006/main" xmlns:r="http://schemas.openxmlformats.org/officeDocument/2006/relationships" xmlns:p="http://schemas.openxmlformats.org/presentationml/2006/main">
+  <p:cSld>
+    <p:spTree>
+      <p:nvGrpSpPr>
+        <p:cNvPr id="1" name=""/>
+        <p:cNvGrpSpPr/>
+        <p:nvPr/>
+      </p:nvGrpSpPr>
+      <p:grpSpPr>
+        <a:xfrm>
+          <a:off x="0" y="0"/>
+          <a:ext cx="0" cy="0"/>
+          <a:chOff x="0" y="0"/>
+          <a:chExt cx="0" cy="0"/>
+        </a:xfrm>
+      </p:grpSpPr>
+      <p:sp>
+        <p:nvSpPr>
+          <p:cNvPr id="2" name="Title 1"/>
+          <p:cNvSpPr>
+            <a:spLocks noGrp="1"/>
+          </p:cNvSpPr>
+          <p:nvPr>
+            <p:ph type="title"/>
+          </p:nvPr>
+        </p:nvSpPr>
+        <p:spPr/>
+        <p:txBody>
+          <a:bodyPr/>
+          <a:lstStyle/>
+          <a:p>
+            <a:r>
+              <a:rPr lang="en-US" dirty="0" smtClean="0"/>
+              <a:t>What is Encryption</a:t>
+            </a:r>
+            <a:endParaRPr lang="en-US" dirty="0"/>
+          </a:p>
+        </p:txBody>
+      </p:sp>
+      <p:sp>
+        <p:nvSpPr>
+          <p:cNvPr id="3" name="Content Placeholder 2"/>
+          <p:cNvSpPr>
+            <a:spLocks noGrp="1"/>
+          </p:cNvSpPr>
+          <p:nvPr>
+            <p:ph idx="1"/>
+          </p:nvPr>
+        </p:nvSpPr>
+        <p:spPr/>
+        <p:txBody>
+          <a:bodyPr/>
+          <a:lstStyle/>
+          <a:p>
+            <a:pPr marL="457200" lvl="0" indent="-419100">
+              <a:lnSpc>
+                <a:spcPct val="120000"/>
+              </a:lnSpc>
+              <a:spcBef>
+                <a:spcPts val="0"/>
+              </a:spcBef>
+              <a:buClr>
+                <a:srgbClr val="000000"/>
+              </a:buClr>
+              <a:buSzPts val="3000"/>
+              <a:buChar char="●"/>
+            </a:pPr>
+            <a:r>
+              <a:rPr lang="en-US" dirty="0" smtClean="0">
+                <a:solidFill>
+                  <a:srgbClr val="000000"/>
+                </a:solidFill>
+              </a:rPr>
+              <a:t>Methods of masking messages from unintended parties</a:t>
+            </a:r>
+            <a:endParaRPr lang="en" dirty="0">
+              <a:solidFill>
+                <a:srgbClr val="000000"/>
+              </a:solidFill>
+            </a:endParaRPr>
+          </a:p>
+          <a:p>
+            <a:endParaRPr lang="en-US" dirty="0"/>
+          </a:p>
+        </p:txBody>
+      </p:sp>
+    </p:spTree>
+    <p:extLst>
+      <p:ext uri="{BB962C8B-B14F-4D97-AF65-F5344CB8AC3E}">
+        <p14:creationId xmlns:p14="http://schemas.microsoft.com/office/powerpoint/2010/main" val="300732208"/>
+      </p:ext>
+    </p:extLst>
+  </p:cSld>
+  <p:clrMapOvr>
+    <a:masterClrMapping/>
+  </p:clrMapOvr>
+</p:sld>
+</file>
+
+<file path=ppt/slides/slide3.xml><?xml version="1.0" encoding="utf-8"?>
+<p:sld xmlns:a="http://schemas.openxmlformats.org/drawingml/2006/main" xmlns:r="http://schemas.openxmlformats.org/officeDocument/2006/relationships" xmlns:p="http://schemas.openxmlformats.org/presentationml/2006/main">
+  <p:cSld>
+    <p:spTree>
+      <p:nvGrpSpPr>
+        <p:cNvPr id="1" name=""/>
+        <p:cNvGrpSpPr/>
+        <p:nvPr/>
+      </p:nvGrpSpPr>
+      <p:grpSpPr>
+        <a:xfrm>
+          <a:off x="0" y="0"/>
+          <a:ext cx="0" cy="0"/>
+          <a:chOff x="0" y="0"/>
+          <a:chExt cx="0" cy="0"/>
+        </a:xfrm>
+      </p:grpSpPr>
+      <p:sp>
+        <p:nvSpPr>
+          <p:cNvPr id="2" name="Title 1"/>
+          <p:cNvSpPr>
+            <a:spLocks noGrp="1"/>
+          </p:cNvSpPr>
+          <p:nvPr>
+            <p:ph type="title"/>
+          </p:nvPr>
+        </p:nvSpPr>
+        <p:spPr/>
+        <p:txBody>
+          <a:bodyPr/>
+          <a:lstStyle/>
+          <a:p>
+            <a:r>
+              <a:rPr lang="en-US" dirty="0" smtClean="0"/>
+              <a:t>Two Common Forms</a:t>
+            </a:r>
+            <a:endParaRPr lang="en-US" dirty="0"/>
+          </a:p>
+        </p:txBody>
+      </p:sp>
+      <p:sp>
+        <p:nvSpPr>
+          <p:cNvPr id="3" name="Content Placeholder 2"/>
+          <p:cNvSpPr>
+            <a:spLocks noGrp="1"/>
+          </p:cNvSpPr>
+          <p:nvPr>
+            <p:ph idx="1"/>
+          </p:nvPr>
+        </p:nvSpPr>
+        <p:spPr/>
+        <p:txBody>
+          <a:bodyPr/>
+          <a:lstStyle/>
+          <a:p>
+            <a:pPr marL="457200" lvl="0" indent="-419100">
+              <a:lnSpc>
+                <a:spcPct val="120000"/>
+              </a:lnSpc>
+              <a:spcBef>
+                <a:spcPts val="0"/>
+              </a:spcBef>
+              <a:buClr>
+                <a:srgbClr val="000000"/>
+              </a:buClr>
+              <a:buSzPts val="3000"/>
+              <a:buChar char="●"/>
+            </a:pPr>
+            <a:r>
+              <a:rPr lang="en-US" dirty="0" smtClean="0">
+                <a:solidFill>
+                  <a:srgbClr val="000000"/>
+                </a:solidFill>
+              </a:rPr>
+              <a:t>Symmetric</a:t>
+            </a:r>
+          </a:p>
+          <a:p>
+            <a:pPr marL="457200" lvl="0" indent="-419100">
+              <a:lnSpc>
+                <a:spcPct val="120000"/>
+              </a:lnSpc>
+              <a:spcBef>
+                <a:spcPts val="0"/>
+              </a:spcBef>
+              <a:buClr>
+                <a:srgbClr val="000000"/>
+              </a:buClr>
+              <a:buSzPts val="3000"/>
+              <a:buChar char="●"/>
+            </a:pPr>
+            <a:r>
+              <a:rPr lang="en-US" dirty="0" smtClean="0">
+                <a:solidFill>
+                  <a:srgbClr val="000000"/>
+                </a:solidFill>
+              </a:rPr>
+              <a:t>Asymmetric</a:t>
+            </a:r>
+            <a:endParaRPr lang="en" dirty="0">
+              <a:solidFill>
+                <a:srgbClr val="000000"/>
+              </a:solidFill>
+            </a:endParaRPr>
+          </a:p>
+          <a:p>
+            <a:endParaRPr lang="en-US" dirty="0"/>
+          </a:p>
+        </p:txBody>
+      </p:sp>
+    </p:spTree>
+    <p:extLst>
+      <p:ext uri="{BB962C8B-B14F-4D97-AF65-F5344CB8AC3E}">
+        <p14:creationId xmlns:p14="http://schemas.microsoft.com/office/powerpoint/2010/main" val="4039848226"/>
+      </p:ext>
+    </p:extLst>
+  </p:cSld>
+  <p:clrMapOvr>
+    <a:masterClrMapping/>
+  </p:clrMapOvr>
+</p:sld>
+</file>
+
+<file path=ppt/slides/slide4.xml><?xml version="1.0" encoding="utf-8"?>
 <p:sld xmlns:a="http://schemas.openxmlformats.org/drawingml/2006/main" xmlns:r="http://schemas.openxmlformats.org/officeDocument/2006/relationships" xmlns:p="http://schemas.openxmlformats.org/presentationml/2006/main">
   <p:cSld>
     <p:spTree>
@@ -3423,7 +4337,7 @@
 </p:sld>
 </file>
 
-<file path=ppt/slides/slide13.xml><?xml version="1.0" encoding="utf-8"?>
+<file path=ppt/slides/slide5.xml><?xml version="1.0" encoding="utf-8"?>
 <p:sld xmlns:a="http://schemas.openxmlformats.org/drawingml/2006/main" xmlns:r="http://schemas.openxmlformats.org/officeDocument/2006/relationships" xmlns:p="http://schemas.openxmlformats.org/presentationml/2006/main">
   <p:cSld>
     <p:spTree>
@@ -3483,7 +4397,7 @@
 </p:sld>
 </file>
 
-<file path=ppt/slides/slide14.xml><?xml version="1.0" encoding="utf-8"?>
+<file path=ppt/slides/slide6.xml><?xml version="1.0" encoding="utf-8"?>
 <p:sld xmlns:a="http://schemas.openxmlformats.org/drawingml/2006/main" xmlns:r="http://schemas.openxmlformats.org/officeDocument/2006/relationships" xmlns:p="http://schemas.openxmlformats.org/presentationml/2006/main">
   <p:cSld>
     <p:spTree>
@@ -3517,7 +4431,7 @@
           <a:p>
             <a:r>
               <a:rPr lang="en-US" dirty="0" smtClean="0"/>
-              <a:t>XXXX</a:t>
+              <a:t>Your Thoughts on Each?</a:t>
             </a:r>
             <a:endParaRPr lang="en-US" dirty="0"/>
           </a:p>
@@ -3557,7 +4471,30 @@
                   <a:srgbClr val="000000"/>
                 </a:solidFill>
               </a:rPr>
-              <a:t>XXXX</a:t>
+              <a:t>Which would you use and when?</a:t>
+            </a:r>
+          </a:p>
+          <a:p>
+            <a:pPr marL="457200" lvl="0" indent="-419100">
+              <a:lnSpc>
+                <a:spcPct val="120000"/>
+              </a:lnSpc>
+              <a:spcBef>
+                <a:spcPts val="0"/>
+              </a:spcBef>
+              <a:buClr>
+                <a:srgbClr val="000000"/>
+              </a:buClr>
+              <a:buSzPts val="3000"/>
+              <a:buChar char="●"/>
+            </a:pPr>
+            <a:r>
+              <a:rPr lang="en-US" dirty="0" smtClean="0">
+                <a:solidFill>
+                  <a:srgbClr val="000000"/>
+                </a:solidFill>
+              </a:rPr>
+              <a:t>What are the strengths and weaknesses of each?</a:t>
             </a:r>
             <a:endParaRPr lang="en" dirty="0">
               <a:solidFill>
@@ -3573,7 +4510,7 @@
     </p:spTree>
     <p:extLst>
       <p:ext uri="{BB962C8B-B14F-4D97-AF65-F5344CB8AC3E}">
-        <p14:creationId xmlns:p14="http://schemas.microsoft.com/office/powerpoint/2010/main" val="2316426123"/>
+        <p14:creationId xmlns:p14="http://schemas.microsoft.com/office/powerpoint/2010/main" val="4039848226"/>
       </p:ext>
     </p:extLst>
   </p:cSld>
@@ -3583,7 +4520,7 @@
 </p:sld>
 </file>
 
-<file path=ppt/slides/slide15.xml><?xml version="1.0" encoding="utf-8"?>
+<file path=ppt/slides/slide7.xml><?xml version="1.0" encoding="utf-8"?>
 <p:sld xmlns:a="http://schemas.openxmlformats.org/drawingml/2006/main" xmlns:r="http://schemas.openxmlformats.org/officeDocument/2006/relationships" xmlns:p="http://schemas.openxmlformats.org/presentationml/2006/main">
   <p:cSld>
     <p:spTree>
@@ -3617,7 +4554,7 @@
           <a:p>
             <a:r>
               <a:rPr lang="en-US" dirty="0" smtClean="0"/>
-              <a:t>XXXX</a:t>
+              <a:t>Some Forms of Cryptography</a:t>
             </a:r>
             <a:endParaRPr lang="en-US" dirty="0"/>
           </a:p>
@@ -3657,86 +4594,9 @@
                   <a:srgbClr val="000000"/>
                 </a:solidFill>
               </a:rPr>
-              <a:t>XXXX</a:t>
-            </a:r>
-            <a:endParaRPr lang="en" dirty="0">
-              <a:solidFill>
-                <a:srgbClr val="000000"/>
-              </a:solidFill>
-            </a:endParaRPr>
-          </a:p>
-          <a:p>
-            <a:endParaRPr lang="en-US" dirty="0"/>
-          </a:p>
-        </p:txBody>
-      </p:sp>
-    </p:spTree>
-    <p:extLst>
-      <p:ext uri="{BB962C8B-B14F-4D97-AF65-F5344CB8AC3E}">
-        <p14:creationId xmlns:p14="http://schemas.microsoft.com/office/powerpoint/2010/main" val="3957522357"/>
-      </p:ext>
-    </p:extLst>
-  </p:cSld>
-  <p:clrMapOvr>
-    <a:masterClrMapping/>
-  </p:clrMapOvr>
-</p:sld>
-</file>
-
-<file path=ppt/slides/slide16.xml><?xml version="1.0" encoding="utf-8"?>
-<p:sld xmlns:a="http://schemas.openxmlformats.org/drawingml/2006/main" xmlns:r="http://schemas.openxmlformats.org/officeDocument/2006/relationships" xmlns:p="http://schemas.openxmlformats.org/presentationml/2006/main">
-  <p:cSld>
-    <p:spTree>
-      <p:nvGrpSpPr>
-        <p:cNvPr id="1" name=""/>
-        <p:cNvGrpSpPr/>
-        <p:nvPr/>
-      </p:nvGrpSpPr>
-      <p:grpSpPr>
-        <a:xfrm>
-          <a:off x="0" y="0"/>
-          <a:ext cx="0" cy="0"/>
-          <a:chOff x="0" y="0"/>
-          <a:chExt cx="0" cy="0"/>
-        </a:xfrm>
-      </p:grpSpPr>
-      <p:sp>
-        <p:nvSpPr>
-          <p:cNvPr id="2" name="Title 1"/>
-          <p:cNvSpPr>
-            <a:spLocks noGrp="1"/>
-          </p:cNvSpPr>
-          <p:nvPr>
-            <p:ph type="title"/>
-          </p:nvPr>
-        </p:nvSpPr>
-        <p:spPr/>
-        <p:txBody>
-          <a:bodyPr/>
-          <a:lstStyle/>
-          <a:p>
-            <a:r>
-              <a:rPr lang="en-US" dirty="0" smtClean="0"/>
-              <a:t>XXXX</a:t>
-            </a:r>
-            <a:endParaRPr lang="en-US" dirty="0"/>
-          </a:p>
-        </p:txBody>
-      </p:sp>
-      <p:sp>
-        <p:nvSpPr>
-          <p:cNvPr id="3" name="Content Placeholder 2"/>
-          <p:cNvSpPr>
-            <a:spLocks noGrp="1"/>
-          </p:cNvSpPr>
-          <p:nvPr>
-            <p:ph idx="1"/>
-          </p:nvPr>
-        </p:nvSpPr>
-        <p:spPr/>
-        <p:txBody>
-          <a:bodyPr/>
-          <a:lstStyle/>
+              <a:t>Caesar Cipher</a:t>
+            </a:r>
+          </a:p>
           <a:p>
             <a:pPr marL="457200" lvl="0" indent="-419100">
               <a:lnSpc>
@@ -3752,91 +4612,22 @@
               <a:buChar char="●"/>
             </a:pPr>
             <a:r>
+              <a:rPr lang="en-US" dirty="0" err="1" smtClean="0">
+                <a:solidFill>
+                  <a:srgbClr val="000000"/>
+                </a:solidFill>
+              </a:rPr>
+              <a:t>Playfair</a:t>
+            </a:r>
+            <a:r>
               <a:rPr lang="en-US" dirty="0" smtClean="0">
                 <a:solidFill>
                   <a:srgbClr val="000000"/>
                 </a:solidFill>
               </a:rPr>
-              <a:t>XXXX</a:t>
-            </a:r>
-            <a:endParaRPr lang="en" dirty="0">
-              <a:solidFill>
-                <a:srgbClr val="000000"/>
-              </a:solidFill>
-            </a:endParaRPr>
-          </a:p>
-          <a:p>
-            <a:endParaRPr lang="en-US" dirty="0"/>
-          </a:p>
-        </p:txBody>
-      </p:sp>
-    </p:spTree>
-    <p:extLst>
-      <p:ext uri="{BB962C8B-B14F-4D97-AF65-F5344CB8AC3E}">
-        <p14:creationId xmlns:p14="http://schemas.microsoft.com/office/powerpoint/2010/main" val="1512063853"/>
-      </p:ext>
-    </p:extLst>
-  </p:cSld>
-  <p:clrMapOvr>
-    <a:masterClrMapping/>
-  </p:clrMapOvr>
-</p:sld>
-</file>
-
-<file path=ppt/slides/slide17.xml><?xml version="1.0" encoding="utf-8"?>
-<p:sld xmlns:a="http://schemas.openxmlformats.org/drawingml/2006/main" xmlns:r="http://schemas.openxmlformats.org/officeDocument/2006/relationships" xmlns:p="http://schemas.openxmlformats.org/presentationml/2006/main">
-  <p:cSld>
-    <p:spTree>
-      <p:nvGrpSpPr>
-        <p:cNvPr id="1" name=""/>
-        <p:cNvGrpSpPr/>
-        <p:nvPr/>
-      </p:nvGrpSpPr>
-      <p:grpSpPr>
-        <a:xfrm>
-          <a:off x="0" y="0"/>
-          <a:ext cx="0" cy="0"/>
-          <a:chOff x="0" y="0"/>
-          <a:chExt cx="0" cy="0"/>
-        </a:xfrm>
-      </p:grpSpPr>
-      <p:sp>
-        <p:nvSpPr>
-          <p:cNvPr id="2" name="Title 1"/>
-          <p:cNvSpPr>
-            <a:spLocks noGrp="1"/>
-          </p:cNvSpPr>
-          <p:nvPr>
-            <p:ph type="title"/>
-          </p:nvPr>
-        </p:nvSpPr>
-        <p:spPr/>
-        <p:txBody>
-          <a:bodyPr/>
-          <a:lstStyle/>
-          <a:p>
-            <a:r>
-              <a:rPr lang="en-US" dirty="0" smtClean="0"/>
-              <a:t>XXXX</a:t>
-            </a:r>
-            <a:endParaRPr lang="en-US" dirty="0"/>
-          </a:p>
-        </p:txBody>
-      </p:sp>
-      <p:sp>
-        <p:nvSpPr>
-          <p:cNvPr id="3" name="Content Placeholder 2"/>
-          <p:cNvSpPr>
-            <a:spLocks noGrp="1"/>
-          </p:cNvSpPr>
-          <p:nvPr>
-            <p:ph idx="1"/>
-          </p:nvPr>
-        </p:nvSpPr>
-        <p:spPr/>
-        <p:txBody>
-          <a:bodyPr/>
-          <a:lstStyle/>
+              <a:t> Cipher</a:t>
+            </a:r>
+          </a:p>
           <a:p>
             <a:pPr marL="457200" lvl="0" indent="-419100">
               <a:lnSpc>
@@ -3857,230 +4648,8 @@
                   <a:srgbClr val="000000"/>
                 </a:solidFill>
               </a:rPr>
-              <a:t>XXXX</a:t>
-            </a:r>
-            <a:endParaRPr lang="en" dirty="0">
-              <a:solidFill>
-                <a:srgbClr val="000000"/>
-              </a:solidFill>
-            </a:endParaRPr>
-          </a:p>
-          <a:p>
-            <a:endParaRPr lang="en-US" dirty="0"/>
-          </a:p>
-        </p:txBody>
-      </p:sp>
-    </p:spTree>
-    <p:extLst>
-      <p:ext uri="{BB962C8B-B14F-4D97-AF65-F5344CB8AC3E}">
-        <p14:creationId xmlns:p14="http://schemas.microsoft.com/office/powerpoint/2010/main" val="1443632564"/>
-      </p:ext>
-    </p:extLst>
-  </p:cSld>
-  <p:clrMapOvr>
-    <a:masterClrMapping/>
-  </p:clrMapOvr>
-</p:sld>
-</file>
-
-<file path=ppt/slides/slide18.xml><?xml version="1.0" encoding="utf-8"?>
-<p:sld xmlns:a="http://schemas.openxmlformats.org/drawingml/2006/main" xmlns:r="http://schemas.openxmlformats.org/officeDocument/2006/relationships" xmlns:p="http://schemas.openxmlformats.org/presentationml/2006/main">
-  <p:cSld>
-    <p:spTree>
-      <p:nvGrpSpPr>
-        <p:cNvPr id="1" name=""/>
-        <p:cNvGrpSpPr/>
-        <p:nvPr/>
-      </p:nvGrpSpPr>
-      <p:grpSpPr>
-        <a:xfrm>
-          <a:off x="0" y="0"/>
-          <a:ext cx="0" cy="0"/>
-          <a:chOff x="0" y="0"/>
-          <a:chExt cx="0" cy="0"/>
-        </a:xfrm>
-      </p:grpSpPr>
-      <p:sp>
-        <p:nvSpPr>
-          <p:cNvPr id="2" name="Title 1"/>
-          <p:cNvSpPr>
-            <a:spLocks noGrp="1"/>
-          </p:cNvSpPr>
-          <p:nvPr>
-            <p:ph type="title"/>
-          </p:nvPr>
-        </p:nvSpPr>
-        <p:spPr/>
-        <p:txBody>
-          <a:bodyPr/>
-          <a:lstStyle/>
-          <a:p>
-            <a:r>
-              <a:rPr lang="en-US" dirty="0" smtClean="0"/>
-              <a:t>Recap</a:t>
-            </a:r>
-            <a:endParaRPr lang="en-US" dirty="0"/>
-          </a:p>
-        </p:txBody>
-      </p:sp>
-      <p:sp>
-        <p:nvSpPr>
-          <p:cNvPr id="3" name="Content Placeholder 2"/>
-          <p:cNvSpPr>
-            <a:spLocks noGrp="1"/>
-          </p:cNvSpPr>
-          <p:nvPr>
-            <p:ph idx="1"/>
-          </p:nvPr>
-        </p:nvSpPr>
-        <p:spPr/>
-        <p:txBody>
-          <a:bodyPr/>
-          <a:lstStyle/>
-          <a:p>
-            <a:pPr marL="457200" lvl="0" indent="-419100">
-              <a:lnSpc>
-                <a:spcPct val="120000"/>
-              </a:lnSpc>
-              <a:spcBef>
-                <a:spcPts val="0"/>
-              </a:spcBef>
-              <a:buClr>
-                <a:srgbClr val="000000"/>
-              </a:buClr>
-              <a:buSzPts val="3000"/>
-              <a:buChar char="●"/>
-            </a:pPr>
-            <a:r>
-              <a:rPr lang="en-US" dirty="0" smtClean="0">
-                <a:solidFill>
-                  <a:srgbClr val="000000"/>
-                </a:solidFill>
-              </a:rPr>
-              <a:t>Which form of encryption uses the same key? </a:t>
-            </a:r>
-            <a:endParaRPr lang="en-US" dirty="0" smtClean="0">
-              <a:solidFill>
-                <a:srgbClr val="FF0000"/>
-              </a:solidFill>
-            </a:endParaRPr>
-          </a:p>
-          <a:p>
-            <a:pPr marL="457200" indent="-419100">
-              <a:lnSpc>
-                <a:spcPct val="120000"/>
-              </a:lnSpc>
-              <a:spcBef>
-                <a:spcPts val="0"/>
-              </a:spcBef>
-              <a:buClr>
-                <a:srgbClr val="000000"/>
-              </a:buClr>
-              <a:buSzPts val="3000"/>
-              <a:buFont typeface="Arial" panose="020B0604020202020204" pitchFamily="34" charset="0"/>
-              <a:buChar char="●"/>
-            </a:pPr>
-            <a:r>
-              <a:rPr lang="en-US" dirty="0">
-                <a:solidFill>
-                  <a:srgbClr val="000000"/>
-                </a:solidFill>
-              </a:rPr>
-              <a:t>Which form of encryption uses </a:t>
-            </a:r>
-            <a:r>
-              <a:rPr lang="en-US" dirty="0" smtClean="0">
-                <a:solidFill>
-                  <a:srgbClr val="000000"/>
-                </a:solidFill>
-              </a:rPr>
-              <a:t>a different </a:t>
-            </a:r>
-            <a:r>
-              <a:rPr lang="en-US" dirty="0">
-                <a:solidFill>
-                  <a:srgbClr val="000000"/>
-                </a:solidFill>
-              </a:rPr>
-              <a:t>key</a:t>
-            </a:r>
-            <a:r>
-              <a:rPr lang="en-US" dirty="0" smtClean="0">
-                <a:solidFill>
-                  <a:srgbClr val="000000"/>
-                </a:solidFill>
-              </a:rPr>
-              <a:t>? </a:t>
-            </a:r>
-            <a:endParaRPr lang="en-US" dirty="0" smtClean="0">
-              <a:solidFill>
-                <a:srgbClr val="FF0000"/>
-              </a:solidFill>
-            </a:endParaRPr>
-          </a:p>
-          <a:p>
-            <a:pPr marL="457200" indent="-419100">
-              <a:lnSpc>
-                <a:spcPct val="120000"/>
-              </a:lnSpc>
-              <a:spcBef>
-                <a:spcPts val="0"/>
-              </a:spcBef>
-              <a:buClr>
-                <a:srgbClr val="000000"/>
-              </a:buClr>
-              <a:buSzPts val="3000"/>
-              <a:buFont typeface="Arial" panose="020B0604020202020204" pitchFamily="34" charset="0"/>
-              <a:buChar char="●"/>
-            </a:pPr>
-            <a:r>
-              <a:rPr lang="en-US" dirty="0" smtClean="0">
-                <a:solidFill>
-                  <a:srgbClr val="000000"/>
-                </a:solidFill>
-              </a:rPr>
-              <a:t>What are some forms of “defeating” cryptography?</a:t>
-            </a:r>
-            <a:endParaRPr lang="en-US" dirty="0">
-              <a:solidFill>
-                <a:srgbClr val="FF0000"/>
-              </a:solidFill>
-            </a:endParaRPr>
-          </a:p>
-          <a:p>
-            <a:pPr marL="457200" lvl="0" indent="-419100">
-              <a:lnSpc>
-                <a:spcPct val="120000"/>
-              </a:lnSpc>
-              <a:spcBef>
-                <a:spcPts val="0"/>
-              </a:spcBef>
-              <a:buClr>
-                <a:srgbClr val="000000"/>
-              </a:buClr>
-              <a:buSzPts val="3000"/>
-              <a:buChar char="●"/>
-            </a:pPr>
-            <a:endParaRPr lang="en-US" dirty="0" smtClean="0">
-              <a:solidFill>
-                <a:srgbClr val="000000"/>
-              </a:solidFill>
-            </a:endParaRPr>
-          </a:p>
-          <a:p>
-            <a:pPr marL="457200" lvl="0" indent="-419100">
-              <a:lnSpc>
-                <a:spcPct val="120000"/>
-              </a:lnSpc>
-              <a:spcBef>
-                <a:spcPts val="0"/>
-              </a:spcBef>
-              <a:buClr>
-                <a:srgbClr val="000000"/>
-              </a:buClr>
-              <a:buSzPts val="3000"/>
-              <a:buChar char="●"/>
-            </a:pPr>
+              <a:t>AES</a:t>
+            </a:r>
             <a:endParaRPr lang="en" dirty="0">
               <a:solidFill>
                 <a:srgbClr val="000000"/>
@@ -4105,846 +4674,7 @@
 </p:sld>
 </file>
 
-<file path=ppt/slides/slide19.xml><?xml version="1.0" encoding="utf-8"?>
-<p:sld xmlns:a="http://schemas.openxmlformats.org/drawingml/2006/main" xmlns:r="http://schemas.openxmlformats.org/officeDocument/2006/relationships" xmlns:p="http://schemas.openxmlformats.org/presentationml/2006/main">
-  <p:cSld>
-    <p:spTree>
-      <p:nvGrpSpPr>
-        <p:cNvPr id="1" name=""/>
-        <p:cNvGrpSpPr/>
-        <p:nvPr/>
-      </p:nvGrpSpPr>
-      <p:grpSpPr>
-        <a:xfrm>
-          <a:off x="0" y="0"/>
-          <a:ext cx="0" cy="0"/>
-          <a:chOff x="0" y="0"/>
-          <a:chExt cx="0" cy="0"/>
-        </a:xfrm>
-      </p:grpSpPr>
-      <p:sp>
-        <p:nvSpPr>
-          <p:cNvPr id="2" name="Title 1"/>
-          <p:cNvSpPr>
-            <a:spLocks noGrp="1"/>
-          </p:cNvSpPr>
-          <p:nvPr>
-            <p:ph type="title"/>
-          </p:nvPr>
-        </p:nvSpPr>
-        <p:spPr/>
-        <p:txBody>
-          <a:bodyPr/>
-          <a:lstStyle/>
-          <a:p>
-            <a:r>
-              <a:rPr lang="en-US" dirty="0" smtClean="0"/>
-              <a:t>Recap</a:t>
-            </a:r>
-            <a:endParaRPr lang="en-US" dirty="0"/>
-          </a:p>
-        </p:txBody>
-      </p:sp>
-      <p:sp>
-        <p:nvSpPr>
-          <p:cNvPr id="3" name="Content Placeholder 2"/>
-          <p:cNvSpPr>
-            <a:spLocks noGrp="1"/>
-          </p:cNvSpPr>
-          <p:nvPr>
-            <p:ph idx="1"/>
-          </p:nvPr>
-        </p:nvSpPr>
-        <p:spPr/>
-        <p:txBody>
-          <a:bodyPr/>
-          <a:lstStyle/>
-          <a:p>
-            <a:pPr marL="457200" lvl="0" indent="-419100">
-              <a:lnSpc>
-                <a:spcPct val="120000"/>
-              </a:lnSpc>
-              <a:spcBef>
-                <a:spcPts val="0"/>
-              </a:spcBef>
-              <a:buClr>
-                <a:srgbClr val="000000"/>
-              </a:buClr>
-              <a:buSzPts val="3000"/>
-              <a:buChar char="●"/>
-            </a:pPr>
-            <a:r>
-              <a:rPr lang="en-US" dirty="0" smtClean="0">
-                <a:solidFill>
-                  <a:srgbClr val="000000"/>
-                </a:solidFill>
-              </a:rPr>
-              <a:t>Which form of encryption uses the same key? </a:t>
-            </a:r>
-            <a:r>
-              <a:rPr lang="en-US" dirty="0" smtClean="0">
-                <a:solidFill>
-                  <a:srgbClr val="FF0000"/>
-                </a:solidFill>
-              </a:rPr>
-              <a:t>Symmetric</a:t>
-            </a:r>
-          </a:p>
-          <a:p>
-            <a:pPr marL="457200" indent="-419100">
-              <a:lnSpc>
-                <a:spcPct val="120000"/>
-              </a:lnSpc>
-              <a:spcBef>
-                <a:spcPts val="0"/>
-              </a:spcBef>
-              <a:buClr>
-                <a:srgbClr val="000000"/>
-              </a:buClr>
-              <a:buSzPts val="3000"/>
-              <a:buFont typeface="Arial" panose="020B0604020202020204" pitchFamily="34" charset="0"/>
-              <a:buChar char="●"/>
-            </a:pPr>
-            <a:r>
-              <a:rPr lang="en-US" dirty="0">
-                <a:solidFill>
-                  <a:srgbClr val="000000"/>
-                </a:solidFill>
-              </a:rPr>
-              <a:t>Which form of encryption uses </a:t>
-            </a:r>
-            <a:r>
-              <a:rPr lang="en-US" dirty="0" smtClean="0">
-                <a:solidFill>
-                  <a:srgbClr val="000000"/>
-                </a:solidFill>
-              </a:rPr>
-              <a:t>a different </a:t>
-            </a:r>
-            <a:r>
-              <a:rPr lang="en-US" dirty="0">
-                <a:solidFill>
-                  <a:srgbClr val="000000"/>
-                </a:solidFill>
-              </a:rPr>
-              <a:t>key</a:t>
-            </a:r>
-            <a:r>
-              <a:rPr lang="en-US" dirty="0" smtClean="0">
-                <a:solidFill>
-                  <a:srgbClr val="000000"/>
-                </a:solidFill>
-              </a:rPr>
-              <a:t>? </a:t>
-            </a:r>
-            <a:r>
-              <a:rPr lang="en-US" dirty="0" smtClean="0">
-                <a:solidFill>
-                  <a:srgbClr val="FF0000"/>
-                </a:solidFill>
-              </a:rPr>
-              <a:t>Asymmetric</a:t>
-            </a:r>
-          </a:p>
-          <a:p>
-            <a:pPr marL="457200" indent="-419100">
-              <a:lnSpc>
-                <a:spcPct val="120000"/>
-              </a:lnSpc>
-              <a:spcBef>
-                <a:spcPts val="0"/>
-              </a:spcBef>
-              <a:buClr>
-                <a:srgbClr val="000000"/>
-              </a:buClr>
-              <a:buSzPts val="3000"/>
-              <a:buFont typeface="Arial" panose="020B0604020202020204" pitchFamily="34" charset="0"/>
-              <a:buChar char="●"/>
-            </a:pPr>
-            <a:r>
-              <a:rPr lang="en-US" dirty="0" smtClean="0">
-                <a:solidFill>
-                  <a:srgbClr val="000000"/>
-                </a:solidFill>
-              </a:rPr>
-              <a:t>What are some forms of “defeating” cryptography? </a:t>
-            </a:r>
-            <a:r>
-              <a:rPr lang="en-US" dirty="0" smtClean="0">
-                <a:solidFill>
-                  <a:srgbClr val="FF0000"/>
-                </a:solidFill>
-              </a:rPr>
-              <a:t>Brute force, common word</a:t>
-            </a:r>
-            <a:endParaRPr lang="en-US" dirty="0">
-              <a:solidFill>
-                <a:srgbClr val="FF0000"/>
-              </a:solidFill>
-            </a:endParaRPr>
-          </a:p>
-          <a:p>
-            <a:pPr marL="457200" lvl="0" indent="-419100">
-              <a:lnSpc>
-                <a:spcPct val="120000"/>
-              </a:lnSpc>
-              <a:spcBef>
-                <a:spcPts val="0"/>
-              </a:spcBef>
-              <a:buClr>
-                <a:srgbClr val="000000"/>
-              </a:buClr>
-              <a:buSzPts val="3000"/>
-              <a:buChar char="●"/>
-            </a:pPr>
-            <a:endParaRPr lang="en-US" dirty="0" smtClean="0">
-              <a:solidFill>
-                <a:srgbClr val="000000"/>
-              </a:solidFill>
-            </a:endParaRPr>
-          </a:p>
-          <a:p>
-            <a:pPr marL="457200" lvl="0" indent="-419100">
-              <a:lnSpc>
-                <a:spcPct val="120000"/>
-              </a:lnSpc>
-              <a:spcBef>
-                <a:spcPts val="0"/>
-              </a:spcBef>
-              <a:buClr>
-                <a:srgbClr val="000000"/>
-              </a:buClr>
-              <a:buSzPts val="3000"/>
-              <a:buChar char="●"/>
-            </a:pPr>
-            <a:endParaRPr lang="en" dirty="0">
-              <a:solidFill>
-                <a:srgbClr val="000000"/>
-              </a:solidFill>
-            </a:endParaRPr>
-          </a:p>
-          <a:p>
-            <a:endParaRPr lang="en-US" dirty="0"/>
-          </a:p>
-        </p:txBody>
-      </p:sp>
-    </p:spTree>
-    <p:extLst>
-      <p:ext uri="{BB962C8B-B14F-4D97-AF65-F5344CB8AC3E}">
-        <p14:creationId xmlns:p14="http://schemas.microsoft.com/office/powerpoint/2010/main" val="1740885515"/>
-      </p:ext>
-    </p:extLst>
-  </p:cSld>
-  <p:clrMapOvr>
-    <a:masterClrMapping/>
-  </p:clrMapOvr>
-</p:sld>
-</file>
-
-<file path=ppt/slides/slide2.xml><?xml version="1.0" encoding="utf-8"?>
-<p:sld xmlns:a="http://schemas.openxmlformats.org/drawingml/2006/main" xmlns:r="http://schemas.openxmlformats.org/officeDocument/2006/relationships" xmlns:p="http://schemas.openxmlformats.org/presentationml/2006/main">
-  <p:cSld>
-    <p:spTree>
-      <p:nvGrpSpPr>
-        <p:cNvPr id="1" name=""/>
-        <p:cNvGrpSpPr/>
-        <p:nvPr/>
-      </p:nvGrpSpPr>
-      <p:grpSpPr>
-        <a:xfrm>
-          <a:off x="0" y="0"/>
-          <a:ext cx="0" cy="0"/>
-          <a:chOff x="0" y="0"/>
-          <a:chExt cx="0" cy="0"/>
-        </a:xfrm>
-      </p:grpSpPr>
-      <p:sp>
-        <p:nvSpPr>
-          <p:cNvPr id="2" name="Title 1"/>
-          <p:cNvSpPr>
-            <a:spLocks noGrp="1"/>
-          </p:cNvSpPr>
-          <p:nvPr>
-            <p:ph type="title"/>
-          </p:nvPr>
-        </p:nvSpPr>
-        <p:spPr/>
-        <p:txBody>
-          <a:bodyPr/>
-          <a:lstStyle/>
-          <a:p>
-            <a:r>
-              <a:rPr lang="en-US" dirty="0" smtClean="0"/>
-              <a:t>What is Encryption</a:t>
-            </a:r>
-            <a:endParaRPr lang="en-US" dirty="0"/>
-          </a:p>
-        </p:txBody>
-      </p:sp>
-      <p:sp>
-        <p:nvSpPr>
-          <p:cNvPr id="3" name="Content Placeholder 2"/>
-          <p:cNvSpPr>
-            <a:spLocks noGrp="1"/>
-          </p:cNvSpPr>
-          <p:nvPr>
-            <p:ph idx="1"/>
-          </p:nvPr>
-        </p:nvSpPr>
-        <p:spPr/>
-        <p:txBody>
-          <a:bodyPr/>
-          <a:lstStyle/>
-          <a:p>
-            <a:pPr marL="457200" lvl="0" indent="-419100">
-              <a:lnSpc>
-                <a:spcPct val="120000"/>
-              </a:lnSpc>
-              <a:spcBef>
-                <a:spcPts val="0"/>
-              </a:spcBef>
-              <a:buClr>
-                <a:srgbClr val="000000"/>
-              </a:buClr>
-              <a:buSzPts val="3000"/>
-              <a:buChar char="●"/>
-            </a:pPr>
-            <a:r>
-              <a:rPr lang="en-US" dirty="0" smtClean="0">
-                <a:solidFill>
-                  <a:srgbClr val="000000"/>
-                </a:solidFill>
-              </a:rPr>
-              <a:t>Methods of masking messages from unintended parties</a:t>
-            </a:r>
-            <a:endParaRPr lang="en" dirty="0">
-              <a:solidFill>
-                <a:srgbClr val="000000"/>
-              </a:solidFill>
-            </a:endParaRPr>
-          </a:p>
-          <a:p>
-            <a:endParaRPr lang="en-US" dirty="0"/>
-          </a:p>
-        </p:txBody>
-      </p:sp>
-    </p:spTree>
-    <p:extLst>
-      <p:ext uri="{BB962C8B-B14F-4D97-AF65-F5344CB8AC3E}">
-        <p14:creationId xmlns:p14="http://schemas.microsoft.com/office/powerpoint/2010/main" val="300732208"/>
-      </p:ext>
-    </p:extLst>
-  </p:cSld>
-  <p:clrMapOvr>
-    <a:masterClrMapping/>
-  </p:clrMapOvr>
-</p:sld>
-</file>
-
-<file path=ppt/slides/slide20.xml><?xml version="1.0" encoding="utf-8"?>
-<p:sld xmlns:a="http://schemas.openxmlformats.org/drawingml/2006/main" xmlns:r="http://schemas.openxmlformats.org/officeDocument/2006/relationships" xmlns:p="http://schemas.openxmlformats.org/presentationml/2006/main">
-  <p:cSld>
-    <p:spTree>
-      <p:nvGrpSpPr>
-        <p:cNvPr id="1" name=""/>
-        <p:cNvGrpSpPr/>
-        <p:nvPr/>
-      </p:nvGrpSpPr>
-      <p:grpSpPr>
-        <a:xfrm>
-          <a:off x="0" y="0"/>
-          <a:ext cx="0" cy="0"/>
-          <a:chOff x="0" y="0"/>
-          <a:chExt cx="0" cy="0"/>
-        </a:xfrm>
-      </p:grpSpPr>
-      <p:sp>
-        <p:nvSpPr>
-          <p:cNvPr id="2" name="Title 1"/>
-          <p:cNvSpPr>
-            <a:spLocks noGrp="1"/>
-          </p:cNvSpPr>
-          <p:nvPr>
-            <p:ph type="title"/>
-          </p:nvPr>
-        </p:nvSpPr>
-        <p:spPr/>
-        <p:txBody>
-          <a:bodyPr/>
-          <a:lstStyle/>
-          <a:p>
-            <a:r>
-              <a:rPr lang="en-US" dirty="0" smtClean="0"/>
-              <a:t>Activity</a:t>
-            </a:r>
-            <a:endParaRPr lang="en-US" dirty="0"/>
-          </a:p>
-        </p:txBody>
-      </p:sp>
-      <p:sp>
-        <p:nvSpPr>
-          <p:cNvPr id="3" name="Content Placeholder 2"/>
-          <p:cNvSpPr>
-            <a:spLocks noGrp="1"/>
-          </p:cNvSpPr>
-          <p:nvPr>
-            <p:ph idx="1"/>
-          </p:nvPr>
-        </p:nvSpPr>
-        <p:spPr/>
-        <p:txBody>
-          <a:bodyPr/>
-          <a:lstStyle/>
-          <a:p>
-            <a:pPr marL="457200" lvl="0" indent="-419100">
-              <a:lnSpc>
-                <a:spcPct val="120000"/>
-              </a:lnSpc>
-              <a:spcBef>
-                <a:spcPts val="0"/>
-              </a:spcBef>
-              <a:buClr>
-                <a:srgbClr val="000000"/>
-              </a:buClr>
-              <a:buSzPts val="3000"/>
-              <a:buChar char="●"/>
-            </a:pPr>
-            <a:r>
-              <a:rPr lang="en-US" dirty="0" smtClean="0">
-                <a:solidFill>
-                  <a:srgbClr val="000000"/>
-                </a:solidFill>
-              </a:rPr>
-              <a:t>Implement several forms of cryptography</a:t>
-            </a:r>
-          </a:p>
-          <a:p>
-            <a:pPr marL="457200" lvl="0" indent="-419100">
-              <a:lnSpc>
-                <a:spcPct val="120000"/>
-              </a:lnSpc>
-              <a:spcBef>
-                <a:spcPts val="0"/>
-              </a:spcBef>
-              <a:buClr>
-                <a:srgbClr val="000000"/>
-              </a:buClr>
-              <a:buSzPts val="3000"/>
-              <a:buChar char="●"/>
-            </a:pPr>
-            <a:r>
-              <a:rPr lang="en-US" dirty="0" smtClean="0">
-                <a:solidFill>
-                  <a:srgbClr val="000000"/>
-                </a:solidFill>
-              </a:rPr>
-              <a:t>See why cryptography is necessary</a:t>
-            </a:r>
-          </a:p>
-          <a:p>
-            <a:pPr marL="457200" lvl="0" indent="-419100">
-              <a:lnSpc>
-                <a:spcPct val="120000"/>
-              </a:lnSpc>
-              <a:spcBef>
-                <a:spcPts val="0"/>
-              </a:spcBef>
-              <a:buClr>
-                <a:srgbClr val="000000"/>
-              </a:buClr>
-              <a:buSzPts val="3000"/>
-              <a:buChar char="●"/>
-            </a:pPr>
-            <a:r>
-              <a:rPr lang="en-US" dirty="0" smtClean="0">
-                <a:solidFill>
-                  <a:srgbClr val="000000"/>
-                </a:solidFill>
-              </a:rPr>
-              <a:t>Break the forms of cryptography</a:t>
-            </a:r>
-            <a:endParaRPr lang="en" dirty="0">
-              <a:solidFill>
-                <a:srgbClr val="000000"/>
-              </a:solidFill>
-            </a:endParaRPr>
-          </a:p>
-          <a:p>
-            <a:endParaRPr lang="en-US" dirty="0"/>
-          </a:p>
-        </p:txBody>
-      </p:sp>
-    </p:spTree>
-    <p:extLst>
-      <p:ext uri="{BB962C8B-B14F-4D97-AF65-F5344CB8AC3E}">
-        <p14:creationId xmlns:p14="http://schemas.microsoft.com/office/powerpoint/2010/main" val="4039848226"/>
-      </p:ext>
-    </p:extLst>
-  </p:cSld>
-  <p:clrMapOvr>
-    <a:masterClrMapping/>
-  </p:clrMapOvr>
-</p:sld>
-</file>
-
-<file path=ppt/slides/slide21.xml><?xml version="1.0" encoding="utf-8"?>
-<p:sld xmlns:a="http://schemas.openxmlformats.org/drawingml/2006/main" xmlns:r="http://schemas.openxmlformats.org/officeDocument/2006/relationships" xmlns:p="http://schemas.openxmlformats.org/presentationml/2006/main">
-  <p:cSld>
-    <p:spTree>
-      <p:nvGrpSpPr>
-        <p:cNvPr id="1" name=""/>
-        <p:cNvGrpSpPr/>
-        <p:nvPr/>
-      </p:nvGrpSpPr>
-      <p:grpSpPr>
-        <a:xfrm>
-          <a:off x="0" y="0"/>
-          <a:ext cx="0" cy="0"/>
-          <a:chOff x="0" y="0"/>
-          <a:chExt cx="0" cy="0"/>
-        </a:xfrm>
-      </p:grpSpPr>
-      <p:sp>
-        <p:nvSpPr>
-          <p:cNvPr id="2" name="Title 1"/>
-          <p:cNvSpPr>
-            <a:spLocks noGrp="1"/>
-          </p:cNvSpPr>
-          <p:nvPr>
-            <p:ph type="title"/>
-          </p:nvPr>
-        </p:nvSpPr>
-        <p:spPr/>
-        <p:txBody>
-          <a:bodyPr/>
-          <a:lstStyle/>
-          <a:p>
-            <a:r>
-              <a:rPr lang="en-US" dirty="0" smtClean="0"/>
-              <a:t>Questions?</a:t>
-            </a:r>
-            <a:endParaRPr lang="en-US" dirty="0"/>
-          </a:p>
-        </p:txBody>
-      </p:sp>
-      <p:pic>
-        <p:nvPicPr>
-          <p:cNvPr id="4" name="Picture 3" descr="question-mark-787608.jpg"/>
-          <p:cNvPicPr>
-            <a:picLocks noChangeAspect="1"/>
-          </p:cNvPicPr>
-          <p:nvPr/>
-        </p:nvPicPr>
-        <p:blipFill>
-          <a:blip r:embed="rId2">
-            <a:extLst>
-              <a:ext uri="{28A0092B-C50C-407E-A947-70E740481C1C}">
-                <a14:useLocalDpi xmlns:a14="http://schemas.microsoft.com/office/drawing/2010/main" val="0"/>
-              </a:ext>
-            </a:extLst>
-          </a:blip>
-          <a:stretch>
-            <a:fillRect/>
-          </a:stretch>
-        </p:blipFill>
-        <p:spPr>
-          <a:xfrm>
-            <a:off x="3261130" y="1942452"/>
-            <a:ext cx="4586270" cy="4586270"/>
-          </a:xfrm>
-          <a:prstGeom prst="rect">
-            <a:avLst/>
-          </a:prstGeom>
-        </p:spPr>
-      </p:pic>
-    </p:spTree>
-    <p:extLst>
-      <p:ext uri="{BB962C8B-B14F-4D97-AF65-F5344CB8AC3E}">
-        <p14:creationId xmlns:p14="http://schemas.microsoft.com/office/powerpoint/2010/main" val="409215213"/>
-      </p:ext>
-    </p:extLst>
-  </p:cSld>
-  <p:clrMapOvr>
-    <a:masterClrMapping/>
-  </p:clrMapOvr>
-</p:sld>
-</file>
-
-<file path=ppt/slides/slide3.xml><?xml version="1.0" encoding="utf-8"?>
-<p:sld xmlns:a="http://schemas.openxmlformats.org/drawingml/2006/main" xmlns:r="http://schemas.openxmlformats.org/officeDocument/2006/relationships" xmlns:p="http://schemas.openxmlformats.org/presentationml/2006/main">
-  <p:cSld>
-    <p:spTree>
-      <p:nvGrpSpPr>
-        <p:cNvPr id="1" name=""/>
-        <p:cNvGrpSpPr/>
-        <p:nvPr/>
-      </p:nvGrpSpPr>
-      <p:grpSpPr>
-        <a:xfrm>
-          <a:off x="0" y="0"/>
-          <a:ext cx="0" cy="0"/>
-          <a:chOff x="0" y="0"/>
-          <a:chExt cx="0" cy="0"/>
-        </a:xfrm>
-      </p:grpSpPr>
-      <p:sp>
-        <p:nvSpPr>
-          <p:cNvPr id="2" name="Title 1"/>
-          <p:cNvSpPr>
-            <a:spLocks noGrp="1"/>
-          </p:cNvSpPr>
-          <p:nvPr>
-            <p:ph type="title"/>
-          </p:nvPr>
-        </p:nvSpPr>
-        <p:spPr/>
-        <p:txBody>
-          <a:bodyPr/>
-          <a:lstStyle/>
-          <a:p>
-            <a:r>
-              <a:rPr lang="en-US" dirty="0" smtClean="0"/>
-              <a:t>Your Thoughts on Each?</a:t>
-            </a:r>
-            <a:endParaRPr lang="en-US" dirty="0"/>
-          </a:p>
-        </p:txBody>
-      </p:sp>
-      <p:sp>
-        <p:nvSpPr>
-          <p:cNvPr id="3" name="Content Placeholder 2"/>
-          <p:cNvSpPr>
-            <a:spLocks noGrp="1"/>
-          </p:cNvSpPr>
-          <p:nvPr>
-            <p:ph idx="1"/>
-          </p:nvPr>
-        </p:nvSpPr>
-        <p:spPr/>
-        <p:txBody>
-          <a:bodyPr/>
-          <a:lstStyle/>
-          <a:p>
-            <a:pPr marL="457200" lvl="0" indent="-419100">
-              <a:lnSpc>
-                <a:spcPct val="120000"/>
-              </a:lnSpc>
-              <a:spcBef>
-                <a:spcPts val="0"/>
-              </a:spcBef>
-              <a:buClr>
-                <a:srgbClr val="000000"/>
-              </a:buClr>
-              <a:buSzPts val="3000"/>
-              <a:buChar char="●"/>
-            </a:pPr>
-            <a:r>
-              <a:rPr lang="en-US" dirty="0" smtClean="0">
-                <a:solidFill>
-                  <a:srgbClr val="000000"/>
-                </a:solidFill>
-              </a:rPr>
-              <a:t>Which would you use and when?</a:t>
-            </a:r>
-          </a:p>
-          <a:p>
-            <a:pPr marL="457200" lvl="0" indent="-419100">
-              <a:lnSpc>
-                <a:spcPct val="120000"/>
-              </a:lnSpc>
-              <a:spcBef>
-                <a:spcPts val="0"/>
-              </a:spcBef>
-              <a:buClr>
-                <a:srgbClr val="000000"/>
-              </a:buClr>
-              <a:buSzPts val="3000"/>
-              <a:buChar char="●"/>
-            </a:pPr>
-            <a:r>
-              <a:rPr lang="en-US" dirty="0" smtClean="0">
-                <a:solidFill>
-                  <a:srgbClr val="000000"/>
-                </a:solidFill>
-              </a:rPr>
-              <a:t>What are the strengths and weaknesses of each?</a:t>
-            </a:r>
-            <a:endParaRPr lang="en" dirty="0">
-              <a:solidFill>
-                <a:srgbClr val="000000"/>
-              </a:solidFill>
-            </a:endParaRPr>
-          </a:p>
-          <a:p>
-            <a:endParaRPr lang="en-US" dirty="0"/>
-          </a:p>
-        </p:txBody>
-      </p:sp>
-    </p:spTree>
-    <p:extLst>
-      <p:ext uri="{BB962C8B-B14F-4D97-AF65-F5344CB8AC3E}">
-        <p14:creationId xmlns:p14="http://schemas.microsoft.com/office/powerpoint/2010/main" val="4039848226"/>
-      </p:ext>
-    </p:extLst>
-  </p:cSld>
-  <p:clrMapOvr>
-    <a:masterClrMapping/>
-  </p:clrMapOvr>
-</p:sld>
-</file>
-
-<file path=ppt/slides/slide4.xml><?xml version="1.0" encoding="utf-8"?>
-<p:sld xmlns:a="http://schemas.openxmlformats.org/drawingml/2006/main" xmlns:r="http://schemas.openxmlformats.org/officeDocument/2006/relationships" xmlns:p="http://schemas.openxmlformats.org/presentationml/2006/main">
-  <p:cSld>
-    <p:spTree>
-      <p:nvGrpSpPr>
-        <p:cNvPr id="1" name=""/>
-        <p:cNvGrpSpPr/>
-        <p:nvPr/>
-      </p:nvGrpSpPr>
-      <p:grpSpPr>
-        <a:xfrm>
-          <a:off x="0" y="0"/>
-          <a:ext cx="0" cy="0"/>
-          <a:chOff x="0" y="0"/>
-          <a:chExt cx="0" cy="0"/>
-        </a:xfrm>
-      </p:grpSpPr>
-      <p:sp>
-        <p:nvSpPr>
-          <p:cNvPr id="2" name="Title 1"/>
-          <p:cNvSpPr>
-            <a:spLocks noGrp="1"/>
-          </p:cNvSpPr>
-          <p:nvPr>
-            <p:ph type="title"/>
-          </p:nvPr>
-        </p:nvSpPr>
-        <p:spPr/>
-        <p:txBody>
-          <a:bodyPr/>
-          <a:lstStyle/>
-          <a:p>
-            <a:r>
-              <a:rPr lang="en-US" dirty="0" smtClean="0"/>
-              <a:t>Some Forms of Cryptography</a:t>
-            </a:r>
-            <a:endParaRPr lang="en-US" dirty="0"/>
-          </a:p>
-        </p:txBody>
-      </p:sp>
-      <p:sp>
-        <p:nvSpPr>
-          <p:cNvPr id="3" name="Content Placeholder 2"/>
-          <p:cNvSpPr>
-            <a:spLocks noGrp="1"/>
-          </p:cNvSpPr>
-          <p:nvPr>
-            <p:ph idx="1"/>
-          </p:nvPr>
-        </p:nvSpPr>
-        <p:spPr/>
-        <p:txBody>
-          <a:bodyPr/>
-          <a:lstStyle/>
-          <a:p>
-            <a:pPr marL="457200" lvl="0" indent="-419100">
-              <a:lnSpc>
-                <a:spcPct val="120000"/>
-              </a:lnSpc>
-              <a:spcBef>
-                <a:spcPts val="0"/>
-              </a:spcBef>
-              <a:buClr>
-                <a:srgbClr val="000000"/>
-              </a:buClr>
-              <a:buSzPts val="3000"/>
-              <a:buChar char="●"/>
-            </a:pPr>
-            <a:r>
-              <a:rPr lang="en-US" dirty="0" smtClean="0">
-                <a:solidFill>
-                  <a:srgbClr val="000000"/>
-                </a:solidFill>
-              </a:rPr>
-              <a:t>Caesar Cipher</a:t>
-            </a:r>
-          </a:p>
-          <a:p>
-            <a:pPr marL="457200" lvl="0" indent="-419100">
-              <a:lnSpc>
-                <a:spcPct val="120000"/>
-              </a:lnSpc>
-              <a:spcBef>
-                <a:spcPts val="0"/>
-              </a:spcBef>
-              <a:buClr>
-                <a:srgbClr val="000000"/>
-              </a:buClr>
-              <a:buSzPts val="3000"/>
-              <a:buChar char="●"/>
-            </a:pPr>
-            <a:r>
-              <a:rPr lang="en-US" dirty="0" smtClean="0">
-                <a:solidFill>
-                  <a:srgbClr val="000000"/>
-                </a:solidFill>
-              </a:rPr>
-              <a:t>XXXX</a:t>
-            </a:r>
-            <a:endParaRPr lang="en-US" dirty="0" smtClean="0">
-              <a:solidFill>
-                <a:srgbClr val="000000"/>
-              </a:solidFill>
-            </a:endParaRPr>
-          </a:p>
-          <a:p>
-            <a:pPr marL="457200" lvl="0" indent="-419100">
-              <a:lnSpc>
-                <a:spcPct val="120000"/>
-              </a:lnSpc>
-              <a:spcBef>
-                <a:spcPts val="0"/>
-              </a:spcBef>
-              <a:buClr>
-                <a:srgbClr val="000000"/>
-              </a:buClr>
-              <a:buSzPts val="3000"/>
-              <a:buChar char="●"/>
-            </a:pPr>
-            <a:r>
-              <a:rPr lang="en-US" dirty="0" smtClean="0">
-                <a:solidFill>
-                  <a:srgbClr val="000000"/>
-                </a:solidFill>
-              </a:rPr>
-              <a:t>XXXX</a:t>
-            </a:r>
-            <a:endParaRPr lang="en" dirty="0">
-              <a:solidFill>
-                <a:srgbClr val="000000"/>
-              </a:solidFill>
-            </a:endParaRPr>
-          </a:p>
-          <a:p>
-            <a:endParaRPr lang="en-US" dirty="0"/>
-          </a:p>
-        </p:txBody>
-      </p:sp>
-    </p:spTree>
-    <p:extLst>
-      <p:ext uri="{BB962C8B-B14F-4D97-AF65-F5344CB8AC3E}">
-        <p14:creationId xmlns:p14="http://schemas.microsoft.com/office/powerpoint/2010/main" val="4039848226"/>
-      </p:ext>
-    </p:extLst>
-  </p:cSld>
-  <p:clrMapOvr>
-    <a:masterClrMapping/>
-  </p:clrMapOvr>
-</p:sld>
-</file>
-
-<file path=ppt/slides/slide5.xml><?xml version="1.0" encoding="utf-8"?>
+<file path=ppt/slides/slide8.xml><?xml version="1.0" encoding="utf-8"?>
 <p:sld xmlns:a="http://schemas.openxmlformats.org/drawingml/2006/main" xmlns:r="http://schemas.openxmlformats.org/officeDocument/2006/relationships" xmlns:p="http://schemas.openxmlformats.org/presentationml/2006/main">
   <p:cSld>
     <p:spTree>
@@ -5104,371 +4834,6 @@
 </p:sld>
 </file>
 
-<file path=ppt/slides/slide6.xml><?xml version="1.0" encoding="utf-8"?>
-<p:sld xmlns:a="http://schemas.openxmlformats.org/drawingml/2006/main" xmlns:r="http://schemas.openxmlformats.org/officeDocument/2006/relationships" xmlns:p="http://schemas.openxmlformats.org/presentationml/2006/main">
-  <p:cSld>
-    <p:spTree>
-      <p:nvGrpSpPr>
-        <p:cNvPr id="1" name=""/>
-        <p:cNvGrpSpPr/>
-        <p:nvPr/>
-      </p:nvGrpSpPr>
-      <p:grpSpPr>
-        <a:xfrm>
-          <a:off x="0" y="0"/>
-          <a:ext cx="0" cy="0"/>
-          <a:chOff x="0" y="0"/>
-          <a:chExt cx="0" cy="0"/>
-        </a:xfrm>
-      </p:grpSpPr>
-      <p:sp>
-        <p:nvSpPr>
-          <p:cNvPr id="2" name="Title 1"/>
-          <p:cNvSpPr>
-            <a:spLocks noGrp="1"/>
-          </p:cNvSpPr>
-          <p:nvPr>
-            <p:ph type="title"/>
-          </p:nvPr>
-        </p:nvSpPr>
-        <p:spPr/>
-        <p:txBody>
-          <a:bodyPr/>
-          <a:lstStyle/>
-          <a:p>
-            <a:r>
-              <a:rPr lang="en-US" dirty="0" smtClean="0"/>
-              <a:t>Cryptanalysis</a:t>
-            </a:r>
-            <a:endParaRPr lang="en-US" dirty="0"/>
-          </a:p>
-        </p:txBody>
-      </p:sp>
-      <p:sp>
-        <p:nvSpPr>
-          <p:cNvPr id="3" name="Content Placeholder 2"/>
-          <p:cNvSpPr>
-            <a:spLocks noGrp="1"/>
-          </p:cNvSpPr>
-          <p:nvPr>
-            <p:ph idx="1"/>
-          </p:nvPr>
-        </p:nvSpPr>
-        <p:spPr/>
-        <p:txBody>
-          <a:bodyPr/>
-          <a:lstStyle/>
-          <a:p>
-            <a:pPr marL="457200" lvl="0" indent="-419100">
-              <a:lnSpc>
-                <a:spcPct val="120000"/>
-              </a:lnSpc>
-              <a:spcBef>
-                <a:spcPts val="0"/>
-              </a:spcBef>
-              <a:buClr>
-                <a:srgbClr val="000000"/>
-              </a:buClr>
-              <a:buSzPts val="3000"/>
-              <a:buChar char="●"/>
-            </a:pPr>
-            <a:r>
-              <a:rPr lang="en-US" dirty="0" smtClean="0">
-                <a:solidFill>
-                  <a:srgbClr val="000000"/>
-                </a:solidFill>
-              </a:rPr>
-              <a:t>Art of breaking codes and ciphers</a:t>
-            </a:r>
-            <a:endParaRPr lang="en" dirty="0">
-              <a:solidFill>
-                <a:srgbClr val="000000"/>
-              </a:solidFill>
-            </a:endParaRPr>
-          </a:p>
-          <a:p>
-            <a:endParaRPr lang="en-US" dirty="0"/>
-          </a:p>
-        </p:txBody>
-      </p:sp>
-    </p:spTree>
-    <p:extLst>
-      <p:ext uri="{BB962C8B-B14F-4D97-AF65-F5344CB8AC3E}">
-        <p14:creationId xmlns:p14="http://schemas.microsoft.com/office/powerpoint/2010/main" val="2831014158"/>
-      </p:ext>
-    </p:extLst>
-  </p:cSld>
-  <p:clrMapOvr>
-    <a:masterClrMapping/>
-  </p:clrMapOvr>
-</p:sld>
-</file>
-
-<file path=ppt/slides/slide7.xml><?xml version="1.0" encoding="utf-8"?>
-<p:sld xmlns:a="http://schemas.openxmlformats.org/drawingml/2006/main" xmlns:r="http://schemas.openxmlformats.org/officeDocument/2006/relationships" xmlns:p="http://schemas.openxmlformats.org/presentationml/2006/main">
-  <p:cSld>
-    <p:spTree>
-      <p:nvGrpSpPr>
-        <p:cNvPr id="1" name=""/>
-        <p:cNvGrpSpPr/>
-        <p:nvPr/>
-      </p:nvGrpSpPr>
-      <p:grpSpPr>
-        <a:xfrm>
-          <a:off x="0" y="0"/>
-          <a:ext cx="0" cy="0"/>
-          <a:chOff x="0" y="0"/>
-          <a:chExt cx="0" cy="0"/>
-        </a:xfrm>
-      </p:grpSpPr>
-      <p:sp>
-        <p:nvSpPr>
-          <p:cNvPr id="2" name="Title 1"/>
-          <p:cNvSpPr>
-            <a:spLocks noGrp="1"/>
-          </p:cNvSpPr>
-          <p:nvPr>
-            <p:ph type="title"/>
-          </p:nvPr>
-        </p:nvSpPr>
-        <p:spPr/>
-        <p:txBody>
-          <a:bodyPr/>
-          <a:lstStyle/>
-          <a:p>
-            <a:r>
-              <a:rPr lang="en-US" dirty="0" smtClean="0"/>
-              <a:t>Breaking Caesar </a:t>
-            </a:r>
-            <a:r>
-              <a:rPr lang="en-US" dirty="0"/>
-              <a:t>Cipher</a:t>
-            </a:r>
-            <a:endParaRPr lang="en-US" dirty="0"/>
-          </a:p>
-        </p:txBody>
-      </p:sp>
-      <p:sp>
-        <p:nvSpPr>
-          <p:cNvPr id="3" name="Content Placeholder 2"/>
-          <p:cNvSpPr>
-            <a:spLocks noGrp="1"/>
-          </p:cNvSpPr>
-          <p:nvPr>
-            <p:ph idx="1"/>
-          </p:nvPr>
-        </p:nvSpPr>
-        <p:spPr/>
-        <p:txBody>
-          <a:bodyPr/>
-          <a:lstStyle/>
-          <a:p>
-            <a:pPr marL="457200" lvl="0" indent="-419100">
-              <a:lnSpc>
-                <a:spcPct val="120000"/>
-              </a:lnSpc>
-              <a:spcBef>
-                <a:spcPts val="0"/>
-              </a:spcBef>
-              <a:buClr>
-                <a:srgbClr val="000000"/>
-              </a:buClr>
-              <a:buSzPts val="3000"/>
-              <a:buChar char="●"/>
-            </a:pPr>
-            <a:r>
-              <a:rPr lang="en-US" dirty="0" smtClean="0">
-                <a:solidFill>
-                  <a:srgbClr val="000000"/>
-                </a:solidFill>
-              </a:rPr>
-              <a:t>Why is it easy to break?</a:t>
-            </a:r>
-            <a:endParaRPr lang="en" dirty="0">
-              <a:solidFill>
-                <a:srgbClr val="000000"/>
-              </a:solidFill>
-            </a:endParaRPr>
-          </a:p>
-          <a:p>
-            <a:endParaRPr lang="en-US" dirty="0"/>
-          </a:p>
-        </p:txBody>
-      </p:sp>
-    </p:spTree>
-    <p:extLst>
-      <p:ext uri="{BB962C8B-B14F-4D97-AF65-F5344CB8AC3E}">
-        <p14:creationId xmlns:p14="http://schemas.microsoft.com/office/powerpoint/2010/main" val="2316426123"/>
-      </p:ext>
-    </p:extLst>
-  </p:cSld>
-  <p:clrMapOvr>
-    <a:masterClrMapping/>
-  </p:clrMapOvr>
-</p:sld>
-</file>
-
-<file path=ppt/slides/slide8.xml><?xml version="1.0" encoding="utf-8"?>
-<p:sld xmlns:a="http://schemas.openxmlformats.org/drawingml/2006/main" xmlns:r="http://schemas.openxmlformats.org/officeDocument/2006/relationships" xmlns:p="http://schemas.openxmlformats.org/presentationml/2006/main">
-  <p:cSld>
-    <p:spTree>
-      <p:nvGrpSpPr>
-        <p:cNvPr id="1" name=""/>
-        <p:cNvGrpSpPr/>
-        <p:nvPr/>
-      </p:nvGrpSpPr>
-      <p:grpSpPr>
-        <a:xfrm>
-          <a:off x="0" y="0"/>
-          <a:ext cx="0" cy="0"/>
-          <a:chOff x="0" y="0"/>
-          <a:chExt cx="0" cy="0"/>
-        </a:xfrm>
-      </p:grpSpPr>
-      <p:sp>
-        <p:nvSpPr>
-          <p:cNvPr id="2" name="Title 1"/>
-          <p:cNvSpPr>
-            <a:spLocks noGrp="1"/>
-          </p:cNvSpPr>
-          <p:nvPr>
-            <p:ph type="title"/>
-          </p:nvPr>
-        </p:nvSpPr>
-        <p:spPr/>
-        <p:txBody>
-          <a:bodyPr/>
-          <a:lstStyle/>
-          <a:p>
-            <a:r>
-              <a:rPr lang="en-US" dirty="0"/>
-              <a:t>Breaking Caesar Cipher</a:t>
-            </a:r>
-            <a:endParaRPr lang="en-US" dirty="0"/>
-          </a:p>
-        </p:txBody>
-      </p:sp>
-      <p:sp>
-        <p:nvSpPr>
-          <p:cNvPr id="3" name="Content Placeholder 2"/>
-          <p:cNvSpPr>
-            <a:spLocks noGrp="1"/>
-          </p:cNvSpPr>
-          <p:nvPr>
-            <p:ph idx="1"/>
-          </p:nvPr>
-        </p:nvSpPr>
-        <p:spPr/>
-        <p:txBody>
-          <a:bodyPr/>
-          <a:lstStyle/>
-          <a:p>
-            <a:pPr marL="457200" lvl="0" indent="-419100">
-              <a:lnSpc>
-                <a:spcPct val="120000"/>
-              </a:lnSpc>
-              <a:spcBef>
-                <a:spcPts val="0"/>
-              </a:spcBef>
-              <a:buClr>
-                <a:srgbClr val="000000"/>
-              </a:buClr>
-              <a:buSzPts val="3000"/>
-              <a:buChar char="●"/>
-            </a:pPr>
-            <a:r>
-              <a:rPr lang="en-US" dirty="0" smtClean="0">
-                <a:solidFill>
-                  <a:srgbClr val="000000"/>
-                </a:solidFill>
-              </a:rPr>
-              <a:t>Brute Force</a:t>
-            </a:r>
-          </a:p>
-          <a:p>
-            <a:pPr marL="457200" lvl="0" indent="-419100">
-              <a:lnSpc>
-                <a:spcPct val="120000"/>
-              </a:lnSpc>
-              <a:spcBef>
-                <a:spcPts val="0"/>
-              </a:spcBef>
-              <a:buClr>
-                <a:srgbClr val="000000"/>
-              </a:buClr>
-              <a:buSzPts val="3000"/>
-              <a:buChar char="●"/>
-            </a:pPr>
-            <a:r>
-              <a:rPr lang="en-US" dirty="0" smtClean="0">
-                <a:solidFill>
-                  <a:srgbClr val="000000"/>
-                </a:solidFill>
-              </a:rPr>
-              <a:t>Frequency of words and letters</a:t>
-            </a:r>
-          </a:p>
-          <a:p>
-            <a:pPr marL="457200" lvl="0" indent="-419100">
-              <a:lnSpc>
-                <a:spcPct val="120000"/>
-              </a:lnSpc>
-              <a:spcBef>
-                <a:spcPts val="0"/>
-              </a:spcBef>
-              <a:buClr>
-                <a:srgbClr val="000000"/>
-              </a:buClr>
-              <a:buSzPts val="3000"/>
-              <a:buChar char="●"/>
-            </a:pPr>
-            <a:r>
-              <a:rPr lang="en-US" dirty="0" smtClean="0">
-                <a:solidFill>
-                  <a:srgbClr val="000000"/>
-                </a:solidFill>
-              </a:rPr>
-              <a:t>Others?</a:t>
-            </a:r>
-          </a:p>
-          <a:p>
-            <a:pPr marL="457200" lvl="0" indent="-419100">
-              <a:lnSpc>
-                <a:spcPct val="120000"/>
-              </a:lnSpc>
-              <a:spcBef>
-                <a:spcPts val="0"/>
-              </a:spcBef>
-              <a:buClr>
-                <a:srgbClr val="000000"/>
-              </a:buClr>
-              <a:buSzPts val="3000"/>
-              <a:buChar char="●"/>
-            </a:pPr>
-            <a:endParaRPr lang="en" dirty="0">
-              <a:solidFill>
-                <a:srgbClr val="000000"/>
-              </a:solidFill>
-            </a:endParaRPr>
-          </a:p>
-          <a:p>
-            <a:endParaRPr lang="en-US" dirty="0"/>
-          </a:p>
-        </p:txBody>
-      </p:sp>
-    </p:spTree>
-    <p:extLst>
-      <p:ext uri="{BB962C8B-B14F-4D97-AF65-F5344CB8AC3E}">
-        <p14:creationId xmlns:p14="http://schemas.microsoft.com/office/powerpoint/2010/main" val="2316426123"/>
-      </p:ext>
-    </p:extLst>
-  </p:cSld>
-  <p:clrMapOvr>
-    <a:masterClrMapping/>
-  </p:clrMapOvr>
-</p:sld>
-</file>
-
 <file path=ppt/slides/slide9.xml><?xml version="1.0" encoding="utf-8"?>
 <p:sld xmlns:a="http://schemas.openxmlformats.org/drawingml/2006/main" xmlns:r="http://schemas.openxmlformats.org/officeDocument/2006/relationships" xmlns:p="http://schemas.openxmlformats.org/presentationml/2006/main">
   <p:cSld>
@@ -5503,7 +4868,7 @@
           <a:p>
             <a:r>
               <a:rPr lang="en-US" dirty="0" smtClean="0"/>
-              <a:t>XXXX</a:t>
+              <a:t>Cryptanalysis</a:t>
             </a:r>
             <a:endParaRPr lang="en-US" dirty="0"/>
           </a:p>
@@ -5543,7 +4908,7 @@
                   <a:srgbClr val="000000"/>
                 </a:solidFill>
               </a:rPr>
-              <a:t>XXXX</a:t>
+              <a:t>Art of breaking codes and ciphers</a:t>
             </a:r>
             <a:endParaRPr lang="en" dirty="0">
               <a:solidFill>
@@ -5559,7 +4924,7 @@
     </p:spTree>
     <p:extLst>
       <p:ext uri="{BB962C8B-B14F-4D97-AF65-F5344CB8AC3E}">
-        <p14:creationId xmlns:p14="http://schemas.microsoft.com/office/powerpoint/2010/main" val="558844820"/>
+        <p14:creationId xmlns:p14="http://schemas.microsoft.com/office/powerpoint/2010/main" val="2831014158"/>
       </p:ext>
     </p:extLst>
   </p:cSld>
@@ -5858,7 +5223,7 @@
   <a:extraClrSchemeLst/>
   <a:extLst>
     <a:ext uri="{05A4C25C-085E-4340-85A3-A5531E510DB2}">
-      <thm15:themeFamily xmlns="" xmlns:thm15="http://schemas.microsoft.com/office/thememl/2012/main" name="Office Theme" id="{62F939B6-93AF-4DB8-9C6B-D6C7DFDC589F}" vid="{4A3C46E8-61CC-4603-A589-7422A47A8E4A}"/>
+      <thm15:themeFamily xmlns:thm15="http://schemas.microsoft.com/office/thememl/2012/main" xmlns="" name="Office Theme" id="{62F939B6-93AF-4DB8-9C6B-D6C7DFDC589F}" vid="{4A3C46E8-61CC-4603-A589-7422A47A8E4A}"/>
     </a:ext>
   </a:extLst>
 </a:theme>
